--- a/other/causal_diagram.pptx
+++ b/other/causal_diagram.pptx
@@ -6,6 +6,8 @@
   </p:sldMasterIdLst>
   <p:sldIdLst>
     <p:sldId id="256" r:id="rId2"/>
+    <p:sldId id="258" r:id="rId3"/>
+    <p:sldId id="257" r:id="rId4"/>
   </p:sldIdLst>
   <p:sldSz cx="12192000" cy="6858000"/>
   <p:notesSz cx="6858000" cy="9144000"/>
@@ -243,7 +245,7 @@
           <a:p>
             <a:fld id="{A5E71915-4E7E-4A78-9D4B-6170BE2E1D8C}" type="datetimeFigureOut">
               <a:rPr lang="en-US" smtClean="0"/>
-              <a:t>7/16/2024</a:t>
+              <a:t>9/4/2024</a:t>
             </a:fld>
             <a:endParaRPr lang="en-US"/>
           </a:p>
@@ -413,7 +415,7 @@
           <a:p>
             <a:fld id="{A5E71915-4E7E-4A78-9D4B-6170BE2E1D8C}" type="datetimeFigureOut">
               <a:rPr lang="en-US" smtClean="0"/>
-              <a:t>7/16/2024</a:t>
+              <a:t>9/4/2024</a:t>
             </a:fld>
             <a:endParaRPr lang="en-US"/>
           </a:p>
@@ -593,7 +595,7 @@
           <a:p>
             <a:fld id="{A5E71915-4E7E-4A78-9D4B-6170BE2E1D8C}" type="datetimeFigureOut">
               <a:rPr lang="en-US" smtClean="0"/>
-              <a:t>7/16/2024</a:t>
+              <a:t>9/4/2024</a:t>
             </a:fld>
             <a:endParaRPr lang="en-US"/>
           </a:p>
@@ -763,7 +765,7 @@
           <a:p>
             <a:fld id="{A5E71915-4E7E-4A78-9D4B-6170BE2E1D8C}" type="datetimeFigureOut">
               <a:rPr lang="en-US" smtClean="0"/>
-              <a:t>7/16/2024</a:t>
+              <a:t>9/4/2024</a:t>
             </a:fld>
             <a:endParaRPr lang="en-US"/>
           </a:p>
@@ -1009,7 +1011,7 @@
           <a:p>
             <a:fld id="{A5E71915-4E7E-4A78-9D4B-6170BE2E1D8C}" type="datetimeFigureOut">
               <a:rPr lang="en-US" smtClean="0"/>
-              <a:t>7/16/2024</a:t>
+              <a:t>9/4/2024</a:t>
             </a:fld>
             <a:endParaRPr lang="en-US"/>
           </a:p>
@@ -1241,7 +1243,7 @@
           <a:p>
             <a:fld id="{A5E71915-4E7E-4A78-9D4B-6170BE2E1D8C}" type="datetimeFigureOut">
               <a:rPr lang="en-US" smtClean="0"/>
-              <a:t>7/16/2024</a:t>
+              <a:t>9/4/2024</a:t>
             </a:fld>
             <a:endParaRPr lang="en-US"/>
           </a:p>
@@ -1608,7 +1610,7 @@
           <a:p>
             <a:fld id="{A5E71915-4E7E-4A78-9D4B-6170BE2E1D8C}" type="datetimeFigureOut">
               <a:rPr lang="en-US" smtClean="0"/>
-              <a:t>7/16/2024</a:t>
+              <a:t>9/4/2024</a:t>
             </a:fld>
             <a:endParaRPr lang="en-US"/>
           </a:p>
@@ -1726,7 +1728,7 @@
           <a:p>
             <a:fld id="{A5E71915-4E7E-4A78-9D4B-6170BE2E1D8C}" type="datetimeFigureOut">
               <a:rPr lang="en-US" smtClean="0"/>
-              <a:t>7/16/2024</a:t>
+              <a:t>9/4/2024</a:t>
             </a:fld>
             <a:endParaRPr lang="en-US"/>
           </a:p>
@@ -1821,7 +1823,7 @@
           <a:p>
             <a:fld id="{A5E71915-4E7E-4A78-9D4B-6170BE2E1D8C}" type="datetimeFigureOut">
               <a:rPr lang="en-US" smtClean="0"/>
-              <a:t>7/16/2024</a:t>
+              <a:t>9/4/2024</a:t>
             </a:fld>
             <a:endParaRPr lang="en-US"/>
           </a:p>
@@ -2098,7 +2100,7 @@
           <a:p>
             <a:fld id="{A5E71915-4E7E-4A78-9D4B-6170BE2E1D8C}" type="datetimeFigureOut">
               <a:rPr lang="en-US" smtClean="0"/>
-              <a:t>7/16/2024</a:t>
+              <a:t>9/4/2024</a:t>
             </a:fld>
             <a:endParaRPr lang="en-US"/>
           </a:p>
@@ -2351,7 +2353,7 @@
           <a:p>
             <a:fld id="{A5E71915-4E7E-4A78-9D4B-6170BE2E1D8C}" type="datetimeFigureOut">
               <a:rPr lang="en-US" smtClean="0"/>
-              <a:t>7/16/2024</a:t>
+              <a:t>9/4/2024</a:t>
             </a:fld>
             <a:endParaRPr lang="en-US"/>
           </a:p>
@@ -2564,7 +2566,7 @@
           <a:p>
             <a:fld id="{A5E71915-4E7E-4A78-9D4B-6170BE2E1D8C}" type="datetimeFigureOut">
               <a:rPr lang="en-US" smtClean="0"/>
-              <a:t>7/16/2024</a:t>
+              <a:t>9/4/2024</a:t>
             </a:fld>
             <a:endParaRPr lang="en-US"/>
           </a:p>
@@ -3250,6 +3252,7 @@
             <a:solidFill>
               <a:srgbClr val="00B050"/>
             </a:solidFill>
+            <a:prstDash val="solid"/>
             <a:tailEnd type="triangle"/>
           </a:ln>
         </p:spPr>
@@ -3287,8 +3290,9 @@
           </a:prstGeom>
           <a:ln>
             <a:solidFill>
-              <a:srgbClr val="FF0000"/>
+              <a:schemeClr val="tx1"/>
             </a:solidFill>
+            <a:prstDash val="dash"/>
             <a:tailEnd type="triangle"/>
           </a:ln>
         </p:spPr>
@@ -3326,9 +3330,9 @@
           </a:prstGeom>
           <a:ln>
             <a:solidFill>
-              <a:srgbClr val="00B050"/>
+              <a:schemeClr val="tx1"/>
             </a:solidFill>
-            <a:prstDash val="solid"/>
+            <a:prstDash val="dash"/>
             <a:tailEnd type="triangle"/>
           </a:ln>
         </p:spPr>
@@ -3366,8 +3370,9 @@
           </a:prstGeom>
           <a:ln>
             <a:solidFill>
-              <a:srgbClr val="00B050"/>
+              <a:schemeClr val="tx1"/>
             </a:solidFill>
+            <a:prstDash val="dash"/>
             <a:tailEnd type="triangle"/>
           </a:ln>
         </p:spPr>
@@ -3525,8 +3530,9 @@
           </a:prstGeom>
           <a:ln>
             <a:solidFill>
-              <a:srgbClr val="00B050"/>
+              <a:schemeClr val="tx1"/>
             </a:solidFill>
+            <a:prstDash val="dash"/>
             <a:tailEnd type="triangle"/>
           </a:ln>
         </p:spPr>
@@ -3692,8 +3698,9 @@
           </a:prstGeom>
           <a:ln>
             <a:solidFill>
-              <a:srgbClr val="FF0000"/>
+              <a:schemeClr val="tx1"/>
             </a:solidFill>
+            <a:prstDash val="dash"/>
             <a:tailEnd type="triangle"/>
           </a:ln>
         </p:spPr>
@@ -3731,8 +3738,9 @@
           </a:prstGeom>
           <a:ln>
             <a:solidFill>
-              <a:srgbClr val="00B050"/>
+              <a:schemeClr val="tx1"/>
             </a:solidFill>
+            <a:prstDash val="dash"/>
             <a:tailEnd type="triangle"/>
           </a:ln>
         </p:spPr>
@@ -3810,8 +3818,9 @@
           </a:prstGeom>
           <a:ln>
             <a:solidFill>
-              <a:srgbClr val="00B050"/>
+              <a:schemeClr val="tx1"/>
             </a:solidFill>
+            <a:prstDash val="dash"/>
             <a:tailEnd type="triangle"/>
           </a:ln>
         </p:spPr>
@@ -4510,6 +4519,3301 @@
       </p:sp>
       <p:sp>
         <p:nvSpPr>
+          <p:cNvPr id="108" name="CuadroTexto 107"/>
+          <p:cNvSpPr txBox="1"/>
+          <p:nvPr/>
+        </p:nvSpPr>
+        <p:spPr>
+          <a:xfrm>
+            <a:off x="4109474" y="2747960"/>
+            <a:ext cx="441146" cy="276999"/>
+          </a:xfrm>
+          <a:prstGeom prst="rect">
+            <a:avLst/>
+          </a:prstGeom>
+          <a:noFill/>
+        </p:spPr>
+        <p:txBody>
+          <a:bodyPr wrap="none" rtlCol="0">
+            <a:spAutoFit/>
+          </a:bodyPr>
+          <a:lstStyle/>
+          <a:p>
+            <a:r>
+              <a:rPr lang="en-US" sz="1200" dirty="0" smtClean="0">
+                <a:latin typeface="Times New Roman" panose="02020603050405020304" pitchFamily="18" charset="0"/>
+                <a:cs typeface="Times New Roman" panose="02020603050405020304" pitchFamily="18" charset="0"/>
+              </a:rPr>
+              <a:t>(13)</a:t>
+            </a:r>
+            <a:endParaRPr lang="en-US" sz="1200" dirty="0">
+              <a:latin typeface="Times New Roman" panose="02020603050405020304" pitchFamily="18" charset="0"/>
+              <a:cs typeface="Times New Roman" panose="02020603050405020304" pitchFamily="18" charset="0"/>
+            </a:endParaRPr>
+          </a:p>
+        </p:txBody>
+      </p:sp>
+      <p:sp>
+        <p:nvSpPr>
+          <p:cNvPr id="45" name="Rectángulo 44"/>
+          <p:cNvSpPr/>
+          <p:nvPr/>
+        </p:nvSpPr>
+        <p:spPr>
+          <a:xfrm>
+            <a:off x="1437430" y="87737"/>
+            <a:ext cx="9628999" cy="276999"/>
+          </a:xfrm>
+          <a:prstGeom prst="rect">
+            <a:avLst/>
+          </a:prstGeom>
+        </p:spPr>
+        <p:txBody>
+          <a:bodyPr wrap="square">
+            <a:spAutoFit/>
+          </a:bodyPr>
+          <a:lstStyle/>
+          <a:p>
+            <a:pPr algn="ctr"/>
+            <a:r>
+              <a:rPr lang="en-US" sz="1200" dirty="0" smtClean="0">
+                <a:solidFill>
+                  <a:srgbClr val="333132"/>
+                </a:solidFill>
+                <a:latin typeface="Times New Roman" panose="02020603050405020304" pitchFamily="18" charset="0"/>
+                <a:cs typeface="Times New Roman" panose="02020603050405020304" pitchFamily="18" charset="0"/>
+              </a:rPr>
+              <a:t>Sept 2024</a:t>
+            </a:r>
+            <a:endParaRPr lang="en-US" sz="1200" dirty="0">
+              <a:latin typeface="Times New Roman" panose="02020603050405020304" pitchFamily="18" charset="0"/>
+              <a:cs typeface="Times New Roman" panose="02020603050405020304" pitchFamily="18" charset="0"/>
+            </a:endParaRPr>
+          </a:p>
+        </p:txBody>
+      </p:sp>
+    </p:spTree>
+    <p:extLst>
+      <p:ext uri="{BB962C8B-B14F-4D97-AF65-F5344CB8AC3E}">
+        <p14:creationId xmlns:p14="http://schemas.microsoft.com/office/powerpoint/2010/main" val="2228452269"/>
+      </p:ext>
+    </p:extLst>
+  </p:cSld>
+  <p:clrMapOvr>
+    <a:masterClrMapping/>
+  </p:clrMapOvr>
+</p:sld>
+</file>
+
+<file path=ppt/slides/slide2.xml><?xml version="1.0" encoding="utf-8"?>
+<p:sld xmlns:a="http://schemas.openxmlformats.org/drawingml/2006/main" xmlns:r="http://schemas.openxmlformats.org/officeDocument/2006/relationships" xmlns:p="http://schemas.openxmlformats.org/presentationml/2006/main">
+  <p:cSld>
+    <p:spTree>
+      <p:nvGrpSpPr>
+        <p:cNvPr id="1" name=""/>
+        <p:cNvGrpSpPr/>
+        <p:nvPr/>
+      </p:nvGrpSpPr>
+      <p:grpSpPr>
+        <a:xfrm>
+          <a:off x="0" y="0"/>
+          <a:ext cx="0" cy="0"/>
+          <a:chOff x="0" y="0"/>
+          <a:chExt cx="0" cy="0"/>
+        </a:xfrm>
+      </p:grpSpPr>
+      <p:sp>
+        <p:nvSpPr>
+          <p:cNvPr id="4" name="CuadroTexto 3"/>
+          <p:cNvSpPr txBox="1"/>
+          <p:nvPr/>
+        </p:nvSpPr>
+        <p:spPr>
+          <a:xfrm>
+            <a:off x="2863172" y="2563295"/>
+            <a:ext cx="1161985" cy="369332"/>
+          </a:xfrm>
+          <a:prstGeom prst="rect">
+            <a:avLst/>
+          </a:prstGeom>
+          <a:noFill/>
+          <a:ln>
+            <a:solidFill>
+              <a:schemeClr val="tx1"/>
+            </a:solidFill>
+          </a:ln>
+        </p:spPr>
+        <p:txBody>
+          <a:bodyPr wrap="none" rtlCol="0">
+            <a:spAutoFit/>
+          </a:bodyPr>
+          <a:lstStyle/>
+          <a:p>
+            <a:r>
+              <a:rPr lang="en-US" dirty="0" smtClean="0">
+                <a:latin typeface="Times New Roman" panose="02020603050405020304" pitchFamily="18" charset="0"/>
+                <a:cs typeface="Times New Roman" panose="02020603050405020304" pitchFamily="18" charset="0"/>
+              </a:rPr>
+              <a:t>brightness</a:t>
+            </a:r>
+            <a:endParaRPr lang="en-US" dirty="0">
+              <a:latin typeface="Times New Roman" panose="02020603050405020304" pitchFamily="18" charset="0"/>
+              <a:cs typeface="Times New Roman" panose="02020603050405020304" pitchFamily="18" charset="0"/>
+            </a:endParaRPr>
+          </a:p>
+        </p:txBody>
+      </p:sp>
+      <p:sp>
+        <p:nvSpPr>
+          <p:cNvPr id="5" name="CuadroTexto 4"/>
+          <p:cNvSpPr txBox="1"/>
+          <p:nvPr/>
+        </p:nvSpPr>
+        <p:spPr>
+          <a:xfrm>
+            <a:off x="4751904" y="2563295"/>
+            <a:ext cx="992579" cy="369332"/>
+          </a:xfrm>
+          <a:prstGeom prst="rect">
+            <a:avLst/>
+          </a:prstGeom>
+          <a:noFill/>
+          <a:ln>
+            <a:solidFill>
+              <a:schemeClr val="tx1"/>
+            </a:solidFill>
+          </a:ln>
+        </p:spPr>
+        <p:txBody>
+          <a:bodyPr wrap="none" rtlCol="0">
+            <a:spAutoFit/>
+          </a:bodyPr>
+          <a:lstStyle/>
+          <a:p>
+            <a:r>
+              <a:rPr lang="en-US" dirty="0" smtClean="0">
+                <a:latin typeface="Times New Roman" panose="02020603050405020304" pitchFamily="18" charset="0"/>
+                <a:cs typeface="Times New Roman" panose="02020603050405020304" pitchFamily="18" charset="0"/>
+              </a:rPr>
+              <a:t>diversity</a:t>
+            </a:r>
+            <a:endParaRPr lang="en-US" dirty="0">
+              <a:latin typeface="Times New Roman" panose="02020603050405020304" pitchFamily="18" charset="0"/>
+              <a:cs typeface="Times New Roman" panose="02020603050405020304" pitchFamily="18" charset="0"/>
+            </a:endParaRPr>
+          </a:p>
+        </p:txBody>
+      </p:sp>
+      <p:sp>
+        <p:nvSpPr>
+          <p:cNvPr id="6" name="CuadroTexto 5"/>
+          <p:cNvSpPr txBox="1"/>
+          <p:nvPr/>
+        </p:nvSpPr>
+        <p:spPr>
+          <a:xfrm>
+            <a:off x="586140" y="1197286"/>
+            <a:ext cx="941283" cy="369332"/>
+          </a:xfrm>
+          <a:prstGeom prst="rect">
+            <a:avLst/>
+          </a:prstGeom>
+          <a:noFill/>
+          <a:ln>
+            <a:solidFill>
+              <a:schemeClr val="tx1"/>
+            </a:solidFill>
+          </a:ln>
+        </p:spPr>
+        <p:txBody>
+          <a:bodyPr wrap="none" rtlCol="0">
+            <a:spAutoFit/>
+          </a:bodyPr>
+          <a:lstStyle/>
+          <a:p>
+            <a:r>
+              <a:rPr lang="en-US" dirty="0" smtClean="0">
+                <a:latin typeface="Times New Roman" panose="02020603050405020304" pitchFamily="18" charset="0"/>
+                <a:cs typeface="Times New Roman" panose="02020603050405020304" pitchFamily="18" charset="0"/>
+              </a:rPr>
+              <a:t>arboreal</a:t>
+            </a:r>
+            <a:endParaRPr lang="en-US" dirty="0">
+              <a:latin typeface="Times New Roman" panose="02020603050405020304" pitchFamily="18" charset="0"/>
+              <a:cs typeface="Times New Roman" panose="02020603050405020304" pitchFamily="18" charset="0"/>
+            </a:endParaRPr>
+          </a:p>
+        </p:txBody>
+      </p:sp>
+      <p:sp>
+        <p:nvSpPr>
+          <p:cNvPr id="7" name="CuadroTexto 6"/>
+          <p:cNvSpPr txBox="1"/>
+          <p:nvPr/>
+        </p:nvSpPr>
+        <p:spPr>
+          <a:xfrm>
+            <a:off x="6720020" y="1190974"/>
+            <a:ext cx="774571" cy="369332"/>
+          </a:xfrm>
+          <a:prstGeom prst="rect">
+            <a:avLst/>
+          </a:prstGeom>
+          <a:noFill/>
+          <a:ln>
+            <a:solidFill>
+              <a:schemeClr val="tx1"/>
+            </a:solidFill>
+          </a:ln>
+        </p:spPr>
+        <p:txBody>
+          <a:bodyPr wrap="none" rtlCol="0">
+            <a:spAutoFit/>
+          </a:bodyPr>
+          <a:lstStyle/>
+          <a:p>
+            <a:r>
+              <a:rPr lang="en-US" dirty="0" smtClean="0">
+                <a:latin typeface="Times New Roman" panose="02020603050405020304" pitchFamily="18" charset="0"/>
+                <a:cs typeface="Times New Roman" panose="02020603050405020304" pitchFamily="18" charset="0"/>
+              </a:rPr>
+              <a:t>humid</a:t>
+            </a:r>
+            <a:endParaRPr lang="en-US" dirty="0">
+              <a:latin typeface="Times New Roman" panose="02020603050405020304" pitchFamily="18" charset="0"/>
+              <a:cs typeface="Times New Roman" panose="02020603050405020304" pitchFamily="18" charset="0"/>
+            </a:endParaRPr>
+          </a:p>
+        </p:txBody>
+      </p:sp>
+      <p:sp>
+        <p:nvSpPr>
+          <p:cNvPr id="8" name="CuadroTexto 7"/>
+          <p:cNvSpPr txBox="1"/>
+          <p:nvPr/>
+        </p:nvSpPr>
+        <p:spPr>
+          <a:xfrm>
+            <a:off x="1812921" y="4091040"/>
+            <a:ext cx="1114408" cy="369332"/>
+          </a:xfrm>
+          <a:prstGeom prst="rect">
+            <a:avLst/>
+          </a:prstGeom>
+          <a:noFill/>
+          <a:ln>
+            <a:solidFill>
+              <a:schemeClr val="tx1"/>
+            </a:solidFill>
+          </a:ln>
+        </p:spPr>
+        <p:txBody>
+          <a:bodyPr wrap="none" rtlCol="0">
+            <a:spAutoFit/>
+          </a:bodyPr>
+          <a:lstStyle/>
+          <a:p>
+            <a:r>
+              <a:rPr lang="en-US" dirty="0">
+                <a:latin typeface="Times New Roman" panose="02020603050405020304" pitchFamily="18" charset="0"/>
+                <a:cs typeface="Times New Roman" panose="02020603050405020304" pitchFamily="18" charset="0"/>
+              </a:rPr>
+              <a:t>i</a:t>
+            </a:r>
+            <a:r>
+              <a:rPr lang="en-US" dirty="0" smtClean="0">
+                <a:latin typeface="Times New Roman" panose="02020603050405020304" pitchFamily="18" charset="0"/>
+                <a:cs typeface="Times New Roman" panose="02020603050405020304" pitchFamily="18" charset="0"/>
+              </a:rPr>
+              <a:t>sland age</a:t>
+            </a:r>
+            <a:endParaRPr lang="en-US" dirty="0">
+              <a:latin typeface="Times New Roman" panose="02020603050405020304" pitchFamily="18" charset="0"/>
+              <a:cs typeface="Times New Roman" panose="02020603050405020304" pitchFamily="18" charset="0"/>
+            </a:endParaRPr>
+          </a:p>
+        </p:txBody>
+      </p:sp>
+      <p:sp>
+        <p:nvSpPr>
+          <p:cNvPr id="9" name="CuadroTexto 8"/>
+          <p:cNvSpPr txBox="1"/>
+          <p:nvPr/>
+        </p:nvSpPr>
+        <p:spPr>
+          <a:xfrm>
+            <a:off x="5224574" y="4091040"/>
+            <a:ext cx="1178528" cy="369332"/>
+          </a:xfrm>
+          <a:prstGeom prst="rect">
+            <a:avLst/>
+          </a:prstGeom>
+          <a:noFill/>
+          <a:ln>
+            <a:solidFill>
+              <a:schemeClr val="tx1"/>
+            </a:solidFill>
+          </a:ln>
+        </p:spPr>
+        <p:txBody>
+          <a:bodyPr wrap="none" rtlCol="0">
+            <a:spAutoFit/>
+          </a:bodyPr>
+          <a:lstStyle/>
+          <a:p>
+            <a:r>
+              <a:rPr lang="en-US" dirty="0">
+                <a:latin typeface="Times New Roman" panose="02020603050405020304" pitchFamily="18" charset="0"/>
+                <a:cs typeface="Times New Roman" panose="02020603050405020304" pitchFamily="18" charset="0"/>
+              </a:rPr>
+              <a:t>i</a:t>
+            </a:r>
+            <a:r>
+              <a:rPr lang="en-US" dirty="0" smtClean="0">
+                <a:latin typeface="Times New Roman" panose="02020603050405020304" pitchFamily="18" charset="0"/>
+                <a:cs typeface="Times New Roman" panose="02020603050405020304" pitchFamily="18" charset="0"/>
+              </a:rPr>
+              <a:t>sland area</a:t>
+            </a:r>
+            <a:endParaRPr lang="en-US" dirty="0">
+              <a:latin typeface="Times New Roman" panose="02020603050405020304" pitchFamily="18" charset="0"/>
+              <a:cs typeface="Times New Roman" panose="02020603050405020304" pitchFamily="18" charset="0"/>
+            </a:endParaRPr>
+          </a:p>
+        </p:txBody>
+      </p:sp>
+      <p:cxnSp>
+        <p:nvCxnSpPr>
+          <p:cNvPr id="13" name="Conector recto de flecha 12"/>
+          <p:cNvCxnSpPr>
+            <a:stCxn id="6" idx="2"/>
+            <a:endCxn id="4" idx="0"/>
+          </p:cNvCxnSpPr>
+          <p:nvPr/>
+        </p:nvCxnSpPr>
+        <p:spPr>
+          <a:xfrm>
+            <a:off x="1056782" y="1566618"/>
+            <a:ext cx="2387383" cy="996677"/>
+          </a:xfrm>
+          <a:prstGeom prst="straightConnector1">
+            <a:avLst/>
+          </a:prstGeom>
+          <a:ln>
+            <a:solidFill>
+              <a:srgbClr val="00B050"/>
+            </a:solidFill>
+            <a:prstDash val="solid"/>
+            <a:tailEnd type="triangle"/>
+          </a:ln>
+        </p:spPr>
+        <p:style>
+          <a:lnRef idx="1">
+            <a:schemeClr val="accent1"/>
+          </a:lnRef>
+          <a:fillRef idx="0">
+            <a:schemeClr val="accent1"/>
+          </a:fillRef>
+          <a:effectRef idx="0">
+            <a:schemeClr val="accent1"/>
+          </a:effectRef>
+          <a:fontRef idx="minor">
+            <a:schemeClr val="tx1"/>
+          </a:fontRef>
+        </p:style>
+      </p:cxnSp>
+      <p:cxnSp>
+        <p:nvCxnSpPr>
+          <p:cNvPr id="14" name="Conector recto de flecha 13"/>
+          <p:cNvCxnSpPr>
+            <a:stCxn id="6" idx="2"/>
+            <a:endCxn id="5" idx="0"/>
+          </p:cNvCxnSpPr>
+          <p:nvPr/>
+        </p:nvCxnSpPr>
+        <p:spPr>
+          <a:xfrm>
+            <a:off x="1056782" y="1566618"/>
+            <a:ext cx="3991037" cy="996677"/>
+          </a:xfrm>
+          <a:prstGeom prst="straightConnector1">
+            <a:avLst/>
+          </a:prstGeom>
+          <a:ln>
+            <a:solidFill>
+              <a:schemeClr val="tx1"/>
+            </a:solidFill>
+            <a:prstDash val="dash"/>
+            <a:tailEnd type="triangle"/>
+          </a:ln>
+        </p:spPr>
+        <p:style>
+          <a:lnRef idx="1">
+            <a:schemeClr val="accent1"/>
+          </a:lnRef>
+          <a:fillRef idx="0">
+            <a:schemeClr val="accent1"/>
+          </a:fillRef>
+          <a:effectRef idx="0">
+            <a:schemeClr val="accent1"/>
+          </a:effectRef>
+          <a:fontRef idx="minor">
+            <a:schemeClr val="tx1"/>
+          </a:fontRef>
+        </p:style>
+      </p:cxnSp>
+      <p:cxnSp>
+        <p:nvCxnSpPr>
+          <p:cNvPr id="17" name="Conector recto de flecha 16"/>
+          <p:cNvCxnSpPr>
+            <a:stCxn id="7" idx="2"/>
+            <a:endCxn id="4" idx="0"/>
+          </p:cNvCxnSpPr>
+          <p:nvPr/>
+        </p:nvCxnSpPr>
+        <p:spPr>
+          <a:xfrm flipH="1">
+            <a:off x="3444165" y="1560306"/>
+            <a:ext cx="3663141" cy="1002989"/>
+          </a:xfrm>
+          <a:prstGeom prst="straightConnector1">
+            <a:avLst/>
+          </a:prstGeom>
+          <a:ln>
+            <a:solidFill>
+              <a:schemeClr val="tx1"/>
+            </a:solidFill>
+            <a:prstDash val="dash"/>
+            <a:tailEnd type="triangle"/>
+          </a:ln>
+        </p:spPr>
+        <p:style>
+          <a:lnRef idx="1">
+            <a:schemeClr val="accent1"/>
+          </a:lnRef>
+          <a:fillRef idx="0">
+            <a:schemeClr val="accent1"/>
+          </a:fillRef>
+          <a:effectRef idx="0">
+            <a:schemeClr val="accent1"/>
+          </a:effectRef>
+          <a:fontRef idx="minor">
+            <a:schemeClr val="tx1"/>
+          </a:fontRef>
+        </p:style>
+      </p:cxnSp>
+      <p:cxnSp>
+        <p:nvCxnSpPr>
+          <p:cNvPr id="20" name="Conector recto de flecha 19"/>
+          <p:cNvCxnSpPr>
+            <a:stCxn id="7" idx="2"/>
+            <a:endCxn id="5" idx="0"/>
+          </p:cNvCxnSpPr>
+          <p:nvPr/>
+        </p:nvCxnSpPr>
+        <p:spPr>
+          <a:xfrm flipH="1">
+            <a:off x="5047819" y="1560306"/>
+            <a:ext cx="2059487" cy="1002989"/>
+          </a:xfrm>
+          <a:prstGeom prst="straightConnector1">
+            <a:avLst/>
+          </a:prstGeom>
+          <a:ln>
+            <a:solidFill>
+              <a:schemeClr val="tx1"/>
+            </a:solidFill>
+            <a:prstDash val="dash"/>
+            <a:tailEnd type="triangle"/>
+          </a:ln>
+        </p:spPr>
+        <p:style>
+          <a:lnRef idx="1">
+            <a:schemeClr val="accent1"/>
+          </a:lnRef>
+          <a:fillRef idx="0">
+            <a:schemeClr val="accent1"/>
+          </a:fillRef>
+          <a:effectRef idx="0">
+            <a:schemeClr val="accent1"/>
+          </a:effectRef>
+          <a:fontRef idx="minor">
+            <a:schemeClr val="tx1"/>
+          </a:fontRef>
+        </p:style>
+      </p:cxnSp>
+      <p:cxnSp>
+        <p:nvCxnSpPr>
+          <p:cNvPr id="23" name="Conector recto de flecha 22"/>
+          <p:cNvCxnSpPr>
+            <a:stCxn id="8" idx="0"/>
+            <a:endCxn id="4" idx="2"/>
+          </p:cNvCxnSpPr>
+          <p:nvPr/>
+        </p:nvCxnSpPr>
+        <p:spPr>
+          <a:xfrm flipV="1">
+            <a:off x="2370125" y="2932627"/>
+            <a:ext cx="1074040" cy="1158413"/>
+          </a:xfrm>
+          <a:prstGeom prst="straightConnector1">
+            <a:avLst/>
+          </a:prstGeom>
+          <a:ln>
+            <a:solidFill>
+              <a:schemeClr val="tx1"/>
+            </a:solidFill>
+            <a:prstDash val="dash"/>
+            <a:tailEnd type="triangle"/>
+          </a:ln>
+        </p:spPr>
+        <p:style>
+          <a:lnRef idx="1">
+            <a:schemeClr val="accent1"/>
+          </a:lnRef>
+          <a:fillRef idx="0">
+            <a:schemeClr val="accent1"/>
+          </a:fillRef>
+          <a:effectRef idx="0">
+            <a:schemeClr val="accent1"/>
+          </a:effectRef>
+          <a:fontRef idx="minor">
+            <a:schemeClr val="tx1"/>
+          </a:fontRef>
+        </p:style>
+      </p:cxnSp>
+      <p:cxnSp>
+        <p:nvCxnSpPr>
+          <p:cNvPr id="26" name="Conector recto de flecha 25"/>
+          <p:cNvCxnSpPr>
+            <a:stCxn id="8" idx="0"/>
+            <a:endCxn id="5" idx="2"/>
+          </p:cNvCxnSpPr>
+          <p:nvPr/>
+        </p:nvCxnSpPr>
+        <p:spPr>
+          <a:xfrm flipV="1">
+            <a:off x="2370125" y="2932627"/>
+            <a:ext cx="2677694" cy="1158413"/>
+          </a:xfrm>
+          <a:prstGeom prst="straightConnector1">
+            <a:avLst/>
+          </a:prstGeom>
+          <a:ln>
+            <a:solidFill>
+              <a:srgbClr val="00B050"/>
+            </a:solidFill>
+            <a:prstDash val="solid"/>
+            <a:tailEnd type="triangle"/>
+          </a:ln>
+        </p:spPr>
+        <p:style>
+          <a:lnRef idx="1">
+            <a:schemeClr val="accent1"/>
+          </a:lnRef>
+          <a:fillRef idx="0">
+            <a:schemeClr val="accent1"/>
+          </a:fillRef>
+          <a:effectRef idx="0">
+            <a:schemeClr val="accent1"/>
+          </a:effectRef>
+          <a:fontRef idx="minor">
+            <a:schemeClr val="tx1"/>
+          </a:fontRef>
+        </p:style>
+      </p:cxnSp>
+      <p:cxnSp>
+        <p:nvCxnSpPr>
+          <p:cNvPr id="29" name="Conector recto de flecha 28"/>
+          <p:cNvCxnSpPr>
+            <a:stCxn id="9" idx="0"/>
+            <a:endCxn id="4" idx="2"/>
+          </p:cNvCxnSpPr>
+          <p:nvPr/>
+        </p:nvCxnSpPr>
+        <p:spPr>
+          <a:xfrm flipH="1" flipV="1">
+            <a:off x="3444165" y="2932627"/>
+            <a:ext cx="2369673" cy="1158413"/>
+          </a:xfrm>
+          <a:prstGeom prst="straightConnector1">
+            <a:avLst/>
+          </a:prstGeom>
+          <a:ln>
+            <a:solidFill>
+              <a:schemeClr val="tx1"/>
+            </a:solidFill>
+            <a:prstDash val="dash"/>
+            <a:tailEnd type="triangle"/>
+          </a:ln>
+        </p:spPr>
+        <p:style>
+          <a:lnRef idx="1">
+            <a:schemeClr val="accent1"/>
+          </a:lnRef>
+          <a:fillRef idx="0">
+            <a:schemeClr val="accent1"/>
+          </a:fillRef>
+          <a:effectRef idx="0">
+            <a:schemeClr val="accent1"/>
+          </a:effectRef>
+          <a:fontRef idx="minor">
+            <a:schemeClr val="tx1"/>
+          </a:fontRef>
+        </p:style>
+      </p:cxnSp>
+      <p:cxnSp>
+        <p:nvCxnSpPr>
+          <p:cNvPr id="32" name="Conector recto de flecha 31"/>
+          <p:cNvCxnSpPr>
+            <a:stCxn id="9" idx="0"/>
+            <a:endCxn id="5" idx="2"/>
+          </p:cNvCxnSpPr>
+          <p:nvPr/>
+        </p:nvCxnSpPr>
+        <p:spPr>
+          <a:xfrm flipH="1" flipV="1">
+            <a:off x="5047819" y="2932627"/>
+            <a:ext cx="766019" cy="1158413"/>
+          </a:xfrm>
+          <a:prstGeom prst="straightConnector1">
+            <a:avLst/>
+          </a:prstGeom>
+          <a:ln>
+            <a:solidFill>
+              <a:srgbClr val="00B050"/>
+            </a:solidFill>
+            <a:prstDash val="solid"/>
+            <a:tailEnd type="triangle"/>
+          </a:ln>
+        </p:spPr>
+        <p:style>
+          <a:lnRef idx="1">
+            <a:schemeClr val="accent1"/>
+          </a:lnRef>
+          <a:fillRef idx="0">
+            <a:schemeClr val="accent1"/>
+          </a:fillRef>
+          <a:effectRef idx="0">
+            <a:schemeClr val="accent1"/>
+          </a:effectRef>
+          <a:fontRef idx="minor">
+            <a:schemeClr val="tx1"/>
+          </a:fontRef>
+        </p:style>
+      </p:cxnSp>
+      <p:sp>
+        <p:nvSpPr>
+          <p:cNvPr id="39" name="CuadroTexto 38"/>
+          <p:cNvSpPr txBox="1"/>
+          <p:nvPr/>
+        </p:nvSpPr>
+        <p:spPr>
+          <a:xfrm>
+            <a:off x="2194221" y="1197286"/>
+            <a:ext cx="1069524" cy="369332"/>
+          </a:xfrm>
+          <a:prstGeom prst="rect">
+            <a:avLst/>
+          </a:prstGeom>
+          <a:noFill/>
+          <a:ln>
+            <a:solidFill>
+              <a:schemeClr val="tx1"/>
+            </a:solidFill>
+          </a:ln>
+        </p:spPr>
+        <p:txBody>
+          <a:bodyPr wrap="none" rtlCol="0">
+            <a:spAutoFit/>
+          </a:bodyPr>
+          <a:lstStyle/>
+          <a:p>
+            <a:r>
+              <a:rPr lang="en-US" dirty="0" smtClean="0">
+                <a:latin typeface="Times New Roman" panose="02020603050405020304" pitchFamily="18" charset="0"/>
+                <a:cs typeface="Times New Roman" panose="02020603050405020304" pitchFamily="18" charset="0"/>
+              </a:rPr>
+              <a:t>terrestrial</a:t>
+            </a:r>
+            <a:endParaRPr lang="en-US" dirty="0">
+              <a:latin typeface="Times New Roman" panose="02020603050405020304" pitchFamily="18" charset="0"/>
+              <a:cs typeface="Times New Roman" panose="02020603050405020304" pitchFamily="18" charset="0"/>
+            </a:endParaRPr>
+          </a:p>
+        </p:txBody>
+      </p:sp>
+      <p:sp>
+        <p:nvSpPr>
+          <p:cNvPr id="40" name="CuadroTexto 39"/>
+          <p:cNvSpPr txBox="1"/>
+          <p:nvPr/>
+        </p:nvSpPr>
+        <p:spPr>
+          <a:xfrm>
+            <a:off x="5486878" y="636976"/>
+            <a:ext cx="1640193" cy="369332"/>
+          </a:xfrm>
+          <a:prstGeom prst="rect">
+            <a:avLst/>
+          </a:prstGeom>
+          <a:noFill/>
+          <a:ln>
+            <a:noFill/>
+          </a:ln>
+        </p:spPr>
+        <p:txBody>
+          <a:bodyPr wrap="none" rtlCol="0">
+            <a:spAutoFit/>
+          </a:bodyPr>
+          <a:lstStyle/>
+          <a:p>
+            <a:r>
+              <a:rPr lang="en-US" dirty="0">
+                <a:latin typeface="Times New Roman" panose="02020603050405020304" pitchFamily="18" charset="0"/>
+                <a:cs typeface="Times New Roman" panose="02020603050405020304" pitchFamily="18" charset="0"/>
+              </a:rPr>
+              <a:t>v</a:t>
+            </a:r>
+            <a:r>
+              <a:rPr lang="en-US" dirty="0" smtClean="0">
+                <a:latin typeface="Times New Roman" panose="02020603050405020304" pitchFamily="18" charset="0"/>
+                <a:cs typeface="Times New Roman" panose="02020603050405020304" pitchFamily="18" charset="0"/>
+              </a:rPr>
+              <a:t>egetation zone</a:t>
+            </a:r>
+            <a:endParaRPr lang="en-US" dirty="0">
+              <a:latin typeface="Times New Roman" panose="02020603050405020304" pitchFamily="18" charset="0"/>
+              <a:cs typeface="Times New Roman" panose="02020603050405020304" pitchFamily="18" charset="0"/>
+            </a:endParaRPr>
+          </a:p>
+        </p:txBody>
+      </p:sp>
+      <p:sp>
+        <p:nvSpPr>
+          <p:cNvPr id="41" name="CuadroTexto 40"/>
+          <p:cNvSpPr txBox="1"/>
+          <p:nvPr/>
+        </p:nvSpPr>
+        <p:spPr>
+          <a:xfrm>
+            <a:off x="5215009" y="1190974"/>
+            <a:ext cx="543739" cy="369332"/>
+          </a:xfrm>
+          <a:prstGeom prst="rect">
+            <a:avLst/>
+          </a:prstGeom>
+          <a:noFill/>
+          <a:ln>
+            <a:solidFill>
+              <a:schemeClr val="tx1"/>
+            </a:solidFill>
+          </a:ln>
+        </p:spPr>
+        <p:txBody>
+          <a:bodyPr wrap="none" rtlCol="0">
+            <a:spAutoFit/>
+          </a:bodyPr>
+          <a:lstStyle/>
+          <a:p>
+            <a:r>
+              <a:rPr lang="en-US" dirty="0" smtClean="0">
+                <a:latin typeface="Times New Roman" panose="02020603050405020304" pitchFamily="18" charset="0"/>
+                <a:cs typeface="Times New Roman" panose="02020603050405020304" pitchFamily="18" charset="0"/>
+              </a:rPr>
+              <a:t>arid</a:t>
+            </a:r>
+            <a:endParaRPr lang="en-US" dirty="0">
+              <a:latin typeface="Times New Roman" panose="02020603050405020304" pitchFamily="18" charset="0"/>
+              <a:cs typeface="Times New Roman" panose="02020603050405020304" pitchFamily="18" charset="0"/>
+            </a:endParaRPr>
+          </a:p>
+        </p:txBody>
+      </p:sp>
+      <p:cxnSp>
+        <p:nvCxnSpPr>
+          <p:cNvPr id="44" name="Conector recto de flecha 43"/>
+          <p:cNvCxnSpPr>
+            <a:stCxn id="41" idx="2"/>
+            <a:endCxn id="5" idx="0"/>
+          </p:cNvCxnSpPr>
+          <p:nvPr/>
+        </p:nvCxnSpPr>
+        <p:spPr>
+          <a:xfrm flipH="1">
+            <a:off x="5047819" y="1560306"/>
+            <a:ext cx="439060" cy="1002989"/>
+          </a:xfrm>
+          <a:prstGeom prst="straightConnector1">
+            <a:avLst/>
+          </a:prstGeom>
+          <a:ln>
+            <a:solidFill>
+              <a:schemeClr val="tx1"/>
+            </a:solidFill>
+            <a:prstDash val="dash"/>
+            <a:tailEnd type="triangle"/>
+          </a:ln>
+        </p:spPr>
+        <p:style>
+          <a:lnRef idx="1">
+            <a:schemeClr val="accent1"/>
+          </a:lnRef>
+          <a:fillRef idx="0">
+            <a:schemeClr val="accent1"/>
+          </a:fillRef>
+          <a:effectRef idx="0">
+            <a:schemeClr val="accent1"/>
+          </a:effectRef>
+          <a:fontRef idx="minor">
+            <a:schemeClr val="tx1"/>
+          </a:fontRef>
+        </p:style>
+      </p:cxnSp>
+      <p:cxnSp>
+        <p:nvCxnSpPr>
+          <p:cNvPr id="47" name="Conector recto de flecha 46"/>
+          <p:cNvCxnSpPr>
+            <a:stCxn id="41" idx="2"/>
+            <a:endCxn id="4" idx="0"/>
+          </p:cNvCxnSpPr>
+          <p:nvPr/>
+        </p:nvCxnSpPr>
+        <p:spPr>
+          <a:xfrm flipH="1">
+            <a:off x="3444165" y="1560306"/>
+            <a:ext cx="2042714" cy="1002989"/>
+          </a:xfrm>
+          <a:prstGeom prst="straightConnector1">
+            <a:avLst/>
+          </a:prstGeom>
+          <a:ln>
+            <a:solidFill>
+              <a:schemeClr val="tx1"/>
+            </a:solidFill>
+            <a:prstDash val="dash"/>
+            <a:tailEnd type="triangle"/>
+          </a:ln>
+        </p:spPr>
+        <p:style>
+          <a:lnRef idx="1">
+            <a:schemeClr val="accent1"/>
+          </a:lnRef>
+          <a:fillRef idx="0">
+            <a:schemeClr val="accent1"/>
+          </a:fillRef>
+          <a:effectRef idx="0">
+            <a:schemeClr val="accent1"/>
+          </a:effectRef>
+          <a:fontRef idx="minor">
+            <a:schemeClr val="tx1"/>
+          </a:fontRef>
+        </p:style>
+      </p:cxnSp>
+      <p:cxnSp>
+        <p:nvCxnSpPr>
+          <p:cNvPr id="50" name="Conector recto de flecha 49"/>
+          <p:cNvCxnSpPr>
+            <a:stCxn id="39" idx="2"/>
+            <a:endCxn id="4" idx="0"/>
+          </p:cNvCxnSpPr>
+          <p:nvPr/>
+        </p:nvCxnSpPr>
+        <p:spPr>
+          <a:xfrm>
+            <a:off x="2728983" y="1566618"/>
+            <a:ext cx="715182" cy="996677"/>
+          </a:xfrm>
+          <a:prstGeom prst="straightConnector1">
+            <a:avLst/>
+          </a:prstGeom>
+          <a:ln>
+            <a:solidFill>
+              <a:schemeClr val="tx1"/>
+            </a:solidFill>
+            <a:prstDash val="dash"/>
+            <a:tailEnd type="triangle"/>
+          </a:ln>
+        </p:spPr>
+        <p:style>
+          <a:lnRef idx="1">
+            <a:schemeClr val="accent1"/>
+          </a:lnRef>
+          <a:fillRef idx="0">
+            <a:schemeClr val="accent1"/>
+          </a:fillRef>
+          <a:effectRef idx="0">
+            <a:schemeClr val="accent1"/>
+          </a:effectRef>
+          <a:fontRef idx="minor">
+            <a:schemeClr val="tx1"/>
+          </a:fontRef>
+        </p:style>
+      </p:cxnSp>
+      <p:cxnSp>
+        <p:nvCxnSpPr>
+          <p:cNvPr id="52" name="Conector recto de flecha 51"/>
+          <p:cNvCxnSpPr>
+            <a:stCxn id="39" idx="2"/>
+            <a:endCxn id="5" idx="0"/>
+          </p:cNvCxnSpPr>
+          <p:nvPr/>
+        </p:nvCxnSpPr>
+        <p:spPr>
+          <a:xfrm>
+            <a:off x="2728983" y="1566618"/>
+            <a:ext cx="2318836" cy="996677"/>
+          </a:xfrm>
+          <a:prstGeom prst="straightConnector1">
+            <a:avLst/>
+          </a:prstGeom>
+          <a:ln>
+            <a:solidFill>
+              <a:schemeClr val="tx1"/>
+            </a:solidFill>
+            <a:prstDash val="dash"/>
+            <a:tailEnd type="triangle"/>
+          </a:ln>
+        </p:spPr>
+        <p:style>
+          <a:lnRef idx="1">
+            <a:schemeClr val="accent1"/>
+          </a:lnRef>
+          <a:fillRef idx="0">
+            <a:schemeClr val="accent1"/>
+          </a:fillRef>
+          <a:effectRef idx="0">
+            <a:schemeClr val="accent1"/>
+          </a:effectRef>
+          <a:fontRef idx="minor">
+            <a:schemeClr val="tx1"/>
+          </a:fontRef>
+        </p:style>
+      </p:cxnSp>
+      <p:sp>
+        <p:nvSpPr>
+          <p:cNvPr id="66" name="CuadroTexto 65"/>
+          <p:cNvSpPr txBox="1"/>
+          <p:nvPr/>
+        </p:nvSpPr>
+        <p:spPr>
+          <a:xfrm>
+            <a:off x="1437430" y="646553"/>
+            <a:ext cx="813043" cy="369332"/>
+          </a:xfrm>
+          <a:prstGeom prst="rect">
+            <a:avLst/>
+          </a:prstGeom>
+          <a:noFill/>
+          <a:ln>
+            <a:noFill/>
+          </a:ln>
+        </p:spPr>
+        <p:txBody>
+          <a:bodyPr wrap="none" rtlCol="0">
+            <a:spAutoFit/>
+          </a:bodyPr>
+          <a:lstStyle/>
+          <a:p>
+            <a:r>
+              <a:rPr lang="en-US" dirty="0">
+                <a:latin typeface="Times New Roman" panose="02020603050405020304" pitchFamily="18" charset="0"/>
+                <a:cs typeface="Times New Roman" panose="02020603050405020304" pitchFamily="18" charset="0"/>
+              </a:rPr>
+              <a:t>h</a:t>
+            </a:r>
+            <a:r>
+              <a:rPr lang="en-US" dirty="0" smtClean="0">
+                <a:latin typeface="Times New Roman" panose="02020603050405020304" pitchFamily="18" charset="0"/>
+                <a:cs typeface="Times New Roman" panose="02020603050405020304" pitchFamily="18" charset="0"/>
+              </a:rPr>
+              <a:t>abitat</a:t>
+            </a:r>
+            <a:endParaRPr lang="en-US" dirty="0">
+              <a:latin typeface="Times New Roman" panose="02020603050405020304" pitchFamily="18" charset="0"/>
+              <a:cs typeface="Times New Roman" panose="02020603050405020304" pitchFamily="18" charset="0"/>
+            </a:endParaRPr>
+          </a:p>
+        </p:txBody>
+      </p:sp>
+      <p:cxnSp>
+        <p:nvCxnSpPr>
+          <p:cNvPr id="68" name="Conector recto de flecha 67"/>
+          <p:cNvCxnSpPr>
+            <a:stCxn id="4" idx="3"/>
+            <a:endCxn id="5" idx="1"/>
+          </p:cNvCxnSpPr>
+          <p:nvPr/>
+        </p:nvCxnSpPr>
+        <p:spPr>
+          <a:xfrm>
+            <a:off x="4025157" y="2747961"/>
+            <a:ext cx="726747" cy="0"/>
+          </a:xfrm>
+          <a:prstGeom prst="straightConnector1">
+            <a:avLst/>
+          </a:prstGeom>
+          <a:ln>
+            <a:solidFill>
+              <a:schemeClr val="tx1"/>
+            </a:solidFill>
+            <a:prstDash val="dash"/>
+            <a:tailEnd type="triangle"/>
+          </a:ln>
+        </p:spPr>
+        <p:style>
+          <a:lnRef idx="1">
+            <a:schemeClr val="accent1"/>
+          </a:lnRef>
+          <a:fillRef idx="0">
+            <a:schemeClr val="accent1"/>
+          </a:fillRef>
+          <a:effectRef idx="0">
+            <a:schemeClr val="accent1"/>
+          </a:effectRef>
+          <a:fontRef idx="minor">
+            <a:schemeClr val="tx1"/>
+          </a:fontRef>
+        </p:style>
+      </p:cxnSp>
+      <p:cxnSp>
+        <p:nvCxnSpPr>
+          <p:cNvPr id="85" name="Conector recto 84"/>
+          <p:cNvCxnSpPr>
+            <a:stCxn id="66" idx="2"/>
+            <a:endCxn id="6" idx="0"/>
+          </p:cNvCxnSpPr>
+          <p:nvPr/>
+        </p:nvCxnSpPr>
+        <p:spPr>
+          <a:xfrm flipH="1">
+            <a:off x="1056782" y="1015885"/>
+            <a:ext cx="787170" cy="181401"/>
+          </a:xfrm>
+          <a:prstGeom prst="line">
+            <a:avLst/>
+          </a:prstGeom>
+          <a:ln>
+            <a:solidFill>
+              <a:schemeClr val="bg1">
+                <a:lumMod val="65000"/>
+              </a:schemeClr>
+            </a:solidFill>
+          </a:ln>
+        </p:spPr>
+        <p:style>
+          <a:lnRef idx="1">
+            <a:schemeClr val="accent1"/>
+          </a:lnRef>
+          <a:fillRef idx="0">
+            <a:schemeClr val="accent1"/>
+          </a:fillRef>
+          <a:effectRef idx="0">
+            <a:schemeClr val="accent1"/>
+          </a:effectRef>
+          <a:fontRef idx="minor">
+            <a:schemeClr val="tx1"/>
+          </a:fontRef>
+        </p:style>
+      </p:cxnSp>
+      <p:cxnSp>
+        <p:nvCxnSpPr>
+          <p:cNvPr id="86" name="Conector recto 85"/>
+          <p:cNvCxnSpPr>
+            <a:stCxn id="66" idx="2"/>
+            <a:endCxn id="39" idx="0"/>
+          </p:cNvCxnSpPr>
+          <p:nvPr/>
+        </p:nvCxnSpPr>
+        <p:spPr>
+          <a:xfrm>
+            <a:off x="1843952" y="1015885"/>
+            <a:ext cx="885031" cy="181401"/>
+          </a:xfrm>
+          <a:prstGeom prst="line">
+            <a:avLst/>
+          </a:prstGeom>
+          <a:ln>
+            <a:solidFill>
+              <a:schemeClr val="bg1">
+                <a:lumMod val="65000"/>
+              </a:schemeClr>
+            </a:solidFill>
+          </a:ln>
+        </p:spPr>
+        <p:style>
+          <a:lnRef idx="1">
+            <a:schemeClr val="accent1"/>
+          </a:lnRef>
+          <a:fillRef idx="0">
+            <a:schemeClr val="accent1"/>
+          </a:fillRef>
+          <a:effectRef idx="0">
+            <a:schemeClr val="accent1"/>
+          </a:effectRef>
+          <a:fontRef idx="minor">
+            <a:schemeClr val="tx1"/>
+          </a:fontRef>
+        </p:style>
+      </p:cxnSp>
+      <p:cxnSp>
+        <p:nvCxnSpPr>
+          <p:cNvPr id="89" name="Conector recto 88"/>
+          <p:cNvCxnSpPr>
+            <a:stCxn id="40" idx="2"/>
+            <a:endCxn id="41" idx="0"/>
+          </p:cNvCxnSpPr>
+          <p:nvPr/>
+        </p:nvCxnSpPr>
+        <p:spPr>
+          <a:xfrm flipH="1">
+            <a:off x="5486879" y="1006308"/>
+            <a:ext cx="820096" cy="184666"/>
+          </a:xfrm>
+          <a:prstGeom prst="line">
+            <a:avLst/>
+          </a:prstGeom>
+          <a:ln>
+            <a:solidFill>
+              <a:schemeClr val="bg1">
+                <a:lumMod val="65000"/>
+              </a:schemeClr>
+            </a:solidFill>
+          </a:ln>
+        </p:spPr>
+        <p:style>
+          <a:lnRef idx="1">
+            <a:schemeClr val="accent1"/>
+          </a:lnRef>
+          <a:fillRef idx="0">
+            <a:schemeClr val="accent1"/>
+          </a:fillRef>
+          <a:effectRef idx="0">
+            <a:schemeClr val="accent1"/>
+          </a:effectRef>
+          <a:fontRef idx="minor">
+            <a:schemeClr val="tx1"/>
+          </a:fontRef>
+        </p:style>
+      </p:cxnSp>
+      <p:cxnSp>
+        <p:nvCxnSpPr>
+          <p:cNvPr id="90" name="Conector recto 89"/>
+          <p:cNvCxnSpPr>
+            <a:stCxn id="40" idx="2"/>
+            <a:endCxn id="7" idx="0"/>
+          </p:cNvCxnSpPr>
+          <p:nvPr/>
+        </p:nvCxnSpPr>
+        <p:spPr>
+          <a:xfrm>
+            <a:off x="6306975" y="1006308"/>
+            <a:ext cx="800331" cy="184666"/>
+          </a:xfrm>
+          <a:prstGeom prst="line">
+            <a:avLst/>
+          </a:prstGeom>
+          <a:ln>
+            <a:solidFill>
+              <a:schemeClr val="bg1">
+                <a:lumMod val="65000"/>
+              </a:schemeClr>
+            </a:solidFill>
+          </a:ln>
+        </p:spPr>
+        <p:style>
+          <a:lnRef idx="1">
+            <a:schemeClr val="accent1"/>
+          </a:lnRef>
+          <a:fillRef idx="0">
+            <a:schemeClr val="accent1"/>
+          </a:fillRef>
+          <a:effectRef idx="0">
+            <a:schemeClr val="accent1"/>
+          </a:effectRef>
+          <a:fontRef idx="minor">
+            <a:schemeClr val="tx1"/>
+          </a:fontRef>
+        </p:style>
+      </p:cxnSp>
+      <p:sp>
+        <p:nvSpPr>
+          <p:cNvPr id="95" name="CuadroTexto 94"/>
+          <p:cNvSpPr txBox="1"/>
+          <p:nvPr/>
+        </p:nvSpPr>
+        <p:spPr>
+          <a:xfrm>
+            <a:off x="1633102" y="1846178"/>
+            <a:ext cx="364202" cy="276999"/>
+          </a:xfrm>
+          <a:prstGeom prst="rect">
+            <a:avLst/>
+          </a:prstGeom>
+          <a:noFill/>
+        </p:spPr>
+        <p:txBody>
+          <a:bodyPr wrap="none" rtlCol="0">
+            <a:spAutoFit/>
+          </a:bodyPr>
+          <a:lstStyle/>
+          <a:p>
+            <a:r>
+              <a:rPr lang="en-US" sz="1200" dirty="0" smtClean="0">
+                <a:latin typeface="Times New Roman" panose="02020603050405020304" pitchFamily="18" charset="0"/>
+                <a:cs typeface="Times New Roman" panose="02020603050405020304" pitchFamily="18" charset="0"/>
+              </a:rPr>
+              <a:t>(1)</a:t>
+            </a:r>
+            <a:endParaRPr lang="en-US" sz="1200" dirty="0">
+              <a:latin typeface="Times New Roman" panose="02020603050405020304" pitchFamily="18" charset="0"/>
+              <a:cs typeface="Times New Roman" panose="02020603050405020304" pitchFamily="18" charset="0"/>
+            </a:endParaRPr>
+          </a:p>
+        </p:txBody>
+      </p:sp>
+      <p:sp>
+        <p:nvSpPr>
+          <p:cNvPr id="96" name="CuadroTexto 95"/>
+          <p:cNvSpPr txBox="1"/>
+          <p:nvPr/>
+        </p:nvSpPr>
+        <p:spPr>
+          <a:xfrm>
+            <a:off x="2068372" y="1609519"/>
+            <a:ext cx="364202" cy="276999"/>
+          </a:xfrm>
+          <a:prstGeom prst="rect">
+            <a:avLst/>
+          </a:prstGeom>
+          <a:noFill/>
+        </p:spPr>
+        <p:txBody>
+          <a:bodyPr wrap="none" rtlCol="0">
+            <a:spAutoFit/>
+          </a:bodyPr>
+          <a:lstStyle/>
+          <a:p>
+            <a:r>
+              <a:rPr lang="en-US" sz="1200" dirty="0" smtClean="0">
+                <a:latin typeface="Times New Roman" panose="02020603050405020304" pitchFamily="18" charset="0"/>
+                <a:cs typeface="Times New Roman" panose="02020603050405020304" pitchFamily="18" charset="0"/>
+              </a:rPr>
+              <a:t>(2)</a:t>
+            </a:r>
+            <a:endParaRPr lang="en-US" sz="1200" dirty="0">
+              <a:latin typeface="Times New Roman" panose="02020603050405020304" pitchFamily="18" charset="0"/>
+              <a:cs typeface="Times New Roman" panose="02020603050405020304" pitchFamily="18" charset="0"/>
+            </a:endParaRPr>
+          </a:p>
+        </p:txBody>
+      </p:sp>
+      <p:sp>
+        <p:nvSpPr>
+          <p:cNvPr id="97" name="CuadroTexto 96"/>
+          <p:cNvSpPr txBox="1"/>
+          <p:nvPr/>
+        </p:nvSpPr>
+        <p:spPr>
+          <a:xfrm>
+            <a:off x="2962988" y="1748018"/>
+            <a:ext cx="364202" cy="276999"/>
+          </a:xfrm>
+          <a:prstGeom prst="rect">
+            <a:avLst/>
+          </a:prstGeom>
+          <a:noFill/>
+        </p:spPr>
+        <p:txBody>
+          <a:bodyPr wrap="none" rtlCol="0">
+            <a:spAutoFit/>
+          </a:bodyPr>
+          <a:lstStyle/>
+          <a:p>
+            <a:r>
+              <a:rPr lang="en-US" sz="1200" dirty="0" smtClean="0">
+                <a:latin typeface="Times New Roman" panose="02020603050405020304" pitchFamily="18" charset="0"/>
+                <a:cs typeface="Times New Roman" panose="02020603050405020304" pitchFamily="18" charset="0"/>
+              </a:rPr>
+              <a:t>(3)</a:t>
+            </a:r>
+            <a:endParaRPr lang="en-US" sz="1200" dirty="0">
+              <a:latin typeface="Times New Roman" panose="02020603050405020304" pitchFamily="18" charset="0"/>
+              <a:cs typeface="Times New Roman" panose="02020603050405020304" pitchFamily="18" charset="0"/>
+            </a:endParaRPr>
+          </a:p>
+        </p:txBody>
+      </p:sp>
+      <p:sp>
+        <p:nvSpPr>
+          <p:cNvPr id="98" name="CuadroTexto 97"/>
+          <p:cNvSpPr txBox="1"/>
+          <p:nvPr/>
+        </p:nvSpPr>
+        <p:spPr>
+          <a:xfrm>
+            <a:off x="3327136" y="1609519"/>
+            <a:ext cx="364202" cy="276999"/>
+          </a:xfrm>
+          <a:prstGeom prst="rect">
+            <a:avLst/>
+          </a:prstGeom>
+          <a:noFill/>
+        </p:spPr>
+        <p:txBody>
+          <a:bodyPr wrap="none" rtlCol="0">
+            <a:spAutoFit/>
+          </a:bodyPr>
+          <a:lstStyle/>
+          <a:p>
+            <a:r>
+              <a:rPr lang="en-US" sz="1200" dirty="0" smtClean="0">
+                <a:latin typeface="Times New Roman" panose="02020603050405020304" pitchFamily="18" charset="0"/>
+                <a:cs typeface="Times New Roman" panose="02020603050405020304" pitchFamily="18" charset="0"/>
+              </a:rPr>
+              <a:t>(4)</a:t>
+            </a:r>
+            <a:endParaRPr lang="en-US" sz="1200" dirty="0">
+              <a:latin typeface="Times New Roman" panose="02020603050405020304" pitchFamily="18" charset="0"/>
+              <a:cs typeface="Times New Roman" panose="02020603050405020304" pitchFamily="18" charset="0"/>
+            </a:endParaRPr>
+          </a:p>
+        </p:txBody>
+      </p:sp>
+      <p:sp>
+        <p:nvSpPr>
+          <p:cNvPr id="99" name="CuadroTexto 98"/>
+          <p:cNvSpPr txBox="1"/>
+          <p:nvPr/>
+        </p:nvSpPr>
+        <p:spPr>
+          <a:xfrm>
+            <a:off x="4478433" y="1679369"/>
+            <a:ext cx="364202" cy="276999"/>
+          </a:xfrm>
+          <a:prstGeom prst="rect">
+            <a:avLst/>
+          </a:prstGeom>
+          <a:noFill/>
+        </p:spPr>
+        <p:txBody>
+          <a:bodyPr wrap="none" rtlCol="0">
+            <a:spAutoFit/>
+          </a:bodyPr>
+          <a:lstStyle/>
+          <a:p>
+            <a:r>
+              <a:rPr lang="en-US" sz="1200" dirty="0" smtClean="0">
+                <a:latin typeface="Times New Roman" panose="02020603050405020304" pitchFamily="18" charset="0"/>
+                <a:cs typeface="Times New Roman" panose="02020603050405020304" pitchFamily="18" charset="0"/>
+              </a:rPr>
+              <a:t>(5)</a:t>
+            </a:r>
+            <a:endParaRPr lang="en-US" sz="1200" dirty="0">
+              <a:latin typeface="Times New Roman" panose="02020603050405020304" pitchFamily="18" charset="0"/>
+              <a:cs typeface="Times New Roman" panose="02020603050405020304" pitchFamily="18" charset="0"/>
+            </a:endParaRPr>
+          </a:p>
+        </p:txBody>
+      </p:sp>
+      <p:sp>
+        <p:nvSpPr>
+          <p:cNvPr id="100" name="CuadroTexto 99"/>
+          <p:cNvSpPr txBox="1"/>
+          <p:nvPr/>
+        </p:nvSpPr>
+        <p:spPr>
+          <a:xfrm>
+            <a:off x="5042473" y="1696746"/>
+            <a:ext cx="364202" cy="276999"/>
+          </a:xfrm>
+          <a:prstGeom prst="rect">
+            <a:avLst/>
+          </a:prstGeom>
+          <a:noFill/>
+        </p:spPr>
+        <p:txBody>
+          <a:bodyPr wrap="none" rtlCol="0">
+            <a:spAutoFit/>
+          </a:bodyPr>
+          <a:lstStyle/>
+          <a:p>
+            <a:r>
+              <a:rPr lang="en-US" sz="1200" dirty="0" smtClean="0">
+                <a:latin typeface="Times New Roman" panose="02020603050405020304" pitchFamily="18" charset="0"/>
+                <a:cs typeface="Times New Roman" panose="02020603050405020304" pitchFamily="18" charset="0"/>
+              </a:rPr>
+              <a:t>(6)</a:t>
+            </a:r>
+            <a:endParaRPr lang="en-US" sz="1200" dirty="0">
+              <a:latin typeface="Times New Roman" panose="02020603050405020304" pitchFamily="18" charset="0"/>
+              <a:cs typeface="Times New Roman" panose="02020603050405020304" pitchFamily="18" charset="0"/>
+            </a:endParaRPr>
+          </a:p>
+        </p:txBody>
+      </p:sp>
+      <p:sp>
+        <p:nvSpPr>
+          <p:cNvPr id="101" name="CuadroTexto 100"/>
+          <p:cNvSpPr txBox="1"/>
+          <p:nvPr/>
+        </p:nvSpPr>
+        <p:spPr>
+          <a:xfrm>
+            <a:off x="5963932" y="1554870"/>
+            <a:ext cx="364202" cy="276999"/>
+          </a:xfrm>
+          <a:prstGeom prst="rect">
+            <a:avLst/>
+          </a:prstGeom>
+          <a:noFill/>
+        </p:spPr>
+        <p:txBody>
+          <a:bodyPr wrap="none" rtlCol="0">
+            <a:spAutoFit/>
+          </a:bodyPr>
+          <a:lstStyle/>
+          <a:p>
+            <a:r>
+              <a:rPr lang="en-US" sz="1200" dirty="0" smtClean="0">
+                <a:latin typeface="Times New Roman" panose="02020603050405020304" pitchFamily="18" charset="0"/>
+                <a:cs typeface="Times New Roman" panose="02020603050405020304" pitchFamily="18" charset="0"/>
+              </a:rPr>
+              <a:t>(7)</a:t>
+            </a:r>
+            <a:endParaRPr lang="en-US" sz="1200" dirty="0">
+              <a:latin typeface="Times New Roman" panose="02020603050405020304" pitchFamily="18" charset="0"/>
+              <a:cs typeface="Times New Roman" panose="02020603050405020304" pitchFamily="18" charset="0"/>
+            </a:endParaRPr>
+          </a:p>
+        </p:txBody>
+      </p:sp>
+      <p:sp>
+        <p:nvSpPr>
+          <p:cNvPr id="102" name="CuadroTexto 101"/>
+          <p:cNvSpPr txBox="1"/>
+          <p:nvPr/>
+        </p:nvSpPr>
+        <p:spPr>
+          <a:xfrm>
+            <a:off x="6479158" y="1784801"/>
+            <a:ext cx="364202" cy="276999"/>
+          </a:xfrm>
+          <a:prstGeom prst="rect">
+            <a:avLst/>
+          </a:prstGeom>
+          <a:noFill/>
+        </p:spPr>
+        <p:txBody>
+          <a:bodyPr wrap="none" rtlCol="0">
+            <a:spAutoFit/>
+          </a:bodyPr>
+          <a:lstStyle/>
+          <a:p>
+            <a:r>
+              <a:rPr lang="en-US" sz="1200" dirty="0" smtClean="0">
+                <a:latin typeface="Times New Roman" panose="02020603050405020304" pitchFamily="18" charset="0"/>
+                <a:cs typeface="Times New Roman" panose="02020603050405020304" pitchFamily="18" charset="0"/>
+              </a:rPr>
+              <a:t>(8)</a:t>
+            </a:r>
+            <a:endParaRPr lang="en-US" sz="1200" dirty="0">
+              <a:latin typeface="Times New Roman" panose="02020603050405020304" pitchFamily="18" charset="0"/>
+              <a:cs typeface="Times New Roman" panose="02020603050405020304" pitchFamily="18" charset="0"/>
+            </a:endParaRPr>
+          </a:p>
+        </p:txBody>
+      </p:sp>
+      <p:sp>
+        <p:nvSpPr>
+          <p:cNvPr id="103" name="CuadroTexto 102"/>
+          <p:cNvSpPr txBox="1"/>
+          <p:nvPr/>
+        </p:nvSpPr>
+        <p:spPr>
+          <a:xfrm>
+            <a:off x="2432574" y="3496260"/>
+            <a:ext cx="364202" cy="276999"/>
+          </a:xfrm>
+          <a:prstGeom prst="rect">
+            <a:avLst/>
+          </a:prstGeom>
+          <a:noFill/>
+        </p:spPr>
+        <p:txBody>
+          <a:bodyPr wrap="none" rtlCol="0">
+            <a:spAutoFit/>
+          </a:bodyPr>
+          <a:lstStyle/>
+          <a:p>
+            <a:r>
+              <a:rPr lang="en-US" sz="1200" dirty="0" smtClean="0">
+                <a:latin typeface="Times New Roman" panose="02020603050405020304" pitchFamily="18" charset="0"/>
+                <a:cs typeface="Times New Roman" panose="02020603050405020304" pitchFamily="18" charset="0"/>
+              </a:rPr>
+              <a:t>(9)</a:t>
+            </a:r>
+            <a:endParaRPr lang="en-US" sz="1200" dirty="0">
+              <a:latin typeface="Times New Roman" panose="02020603050405020304" pitchFamily="18" charset="0"/>
+              <a:cs typeface="Times New Roman" panose="02020603050405020304" pitchFamily="18" charset="0"/>
+            </a:endParaRPr>
+          </a:p>
+        </p:txBody>
+      </p:sp>
+      <p:sp>
+        <p:nvSpPr>
+          <p:cNvPr id="104" name="CuadroTexto 103"/>
+          <p:cNvSpPr txBox="1"/>
+          <p:nvPr/>
+        </p:nvSpPr>
+        <p:spPr>
+          <a:xfrm>
+            <a:off x="2918702" y="3490876"/>
+            <a:ext cx="441146" cy="276999"/>
+          </a:xfrm>
+          <a:prstGeom prst="rect">
+            <a:avLst/>
+          </a:prstGeom>
+          <a:noFill/>
+        </p:spPr>
+        <p:txBody>
+          <a:bodyPr wrap="none" rtlCol="0">
+            <a:spAutoFit/>
+          </a:bodyPr>
+          <a:lstStyle/>
+          <a:p>
+            <a:r>
+              <a:rPr lang="en-US" sz="1200" dirty="0" smtClean="0">
+                <a:latin typeface="Times New Roman" panose="02020603050405020304" pitchFamily="18" charset="0"/>
+                <a:cs typeface="Times New Roman" panose="02020603050405020304" pitchFamily="18" charset="0"/>
+              </a:rPr>
+              <a:t>(10)</a:t>
+            </a:r>
+            <a:endParaRPr lang="en-US" sz="1200" dirty="0">
+              <a:latin typeface="Times New Roman" panose="02020603050405020304" pitchFamily="18" charset="0"/>
+              <a:cs typeface="Times New Roman" panose="02020603050405020304" pitchFamily="18" charset="0"/>
+            </a:endParaRPr>
+          </a:p>
+        </p:txBody>
+      </p:sp>
+      <p:sp>
+        <p:nvSpPr>
+          <p:cNvPr id="105" name="CuadroTexto 104"/>
+          <p:cNvSpPr txBox="1"/>
+          <p:nvPr/>
+        </p:nvSpPr>
+        <p:spPr>
+          <a:xfrm>
+            <a:off x="4709794" y="3700426"/>
+            <a:ext cx="435440" cy="276999"/>
+          </a:xfrm>
+          <a:prstGeom prst="rect">
+            <a:avLst/>
+          </a:prstGeom>
+          <a:noFill/>
+        </p:spPr>
+        <p:txBody>
+          <a:bodyPr wrap="none" rtlCol="0">
+            <a:spAutoFit/>
+          </a:bodyPr>
+          <a:lstStyle/>
+          <a:p>
+            <a:r>
+              <a:rPr lang="en-US" sz="1200" dirty="0" smtClean="0">
+                <a:latin typeface="Times New Roman" panose="02020603050405020304" pitchFamily="18" charset="0"/>
+                <a:cs typeface="Times New Roman" panose="02020603050405020304" pitchFamily="18" charset="0"/>
+              </a:rPr>
+              <a:t>(11)</a:t>
+            </a:r>
+            <a:endParaRPr lang="en-US" sz="1200" dirty="0">
+              <a:latin typeface="Times New Roman" panose="02020603050405020304" pitchFamily="18" charset="0"/>
+              <a:cs typeface="Times New Roman" panose="02020603050405020304" pitchFamily="18" charset="0"/>
+            </a:endParaRPr>
+          </a:p>
+        </p:txBody>
+      </p:sp>
+      <p:sp>
+        <p:nvSpPr>
+          <p:cNvPr id="106" name="CuadroTexto 105"/>
+          <p:cNvSpPr txBox="1"/>
+          <p:nvPr/>
+        </p:nvSpPr>
+        <p:spPr>
+          <a:xfrm>
+            <a:off x="5146119" y="3535141"/>
+            <a:ext cx="441146" cy="276999"/>
+          </a:xfrm>
+          <a:prstGeom prst="rect">
+            <a:avLst/>
+          </a:prstGeom>
+          <a:noFill/>
+        </p:spPr>
+        <p:txBody>
+          <a:bodyPr wrap="none" rtlCol="0">
+            <a:spAutoFit/>
+          </a:bodyPr>
+          <a:lstStyle/>
+          <a:p>
+            <a:r>
+              <a:rPr lang="en-US" sz="1200" dirty="0" smtClean="0">
+                <a:latin typeface="Times New Roman" panose="02020603050405020304" pitchFamily="18" charset="0"/>
+                <a:cs typeface="Times New Roman" panose="02020603050405020304" pitchFamily="18" charset="0"/>
+              </a:rPr>
+              <a:t>(12)</a:t>
+            </a:r>
+            <a:endParaRPr lang="en-US" sz="1200" dirty="0">
+              <a:latin typeface="Times New Roman" panose="02020603050405020304" pitchFamily="18" charset="0"/>
+              <a:cs typeface="Times New Roman" panose="02020603050405020304" pitchFamily="18" charset="0"/>
+            </a:endParaRPr>
+          </a:p>
+        </p:txBody>
+      </p:sp>
+      <p:sp>
+        <p:nvSpPr>
+          <p:cNvPr id="108" name="CuadroTexto 107"/>
+          <p:cNvSpPr txBox="1"/>
+          <p:nvPr/>
+        </p:nvSpPr>
+        <p:spPr>
+          <a:xfrm>
+            <a:off x="4109474" y="2747960"/>
+            <a:ext cx="441146" cy="276999"/>
+          </a:xfrm>
+          <a:prstGeom prst="rect">
+            <a:avLst/>
+          </a:prstGeom>
+          <a:noFill/>
+        </p:spPr>
+        <p:txBody>
+          <a:bodyPr wrap="none" rtlCol="0">
+            <a:spAutoFit/>
+          </a:bodyPr>
+          <a:lstStyle/>
+          <a:p>
+            <a:r>
+              <a:rPr lang="en-US" sz="1200" dirty="0" smtClean="0">
+                <a:latin typeface="Times New Roman" panose="02020603050405020304" pitchFamily="18" charset="0"/>
+                <a:cs typeface="Times New Roman" panose="02020603050405020304" pitchFamily="18" charset="0"/>
+              </a:rPr>
+              <a:t>(13)</a:t>
+            </a:r>
+            <a:endParaRPr lang="en-US" sz="1200" dirty="0">
+              <a:latin typeface="Times New Roman" panose="02020603050405020304" pitchFamily="18" charset="0"/>
+              <a:cs typeface="Times New Roman" panose="02020603050405020304" pitchFamily="18" charset="0"/>
+            </a:endParaRPr>
+          </a:p>
+        </p:txBody>
+      </p:sp>
+      <p:sp>
+        <p:nvSpPr>
+          <p:cNvPr id="45" name="Rectángulo 44"/>
+          <p:cNvSpPr/>
+          <p:nvPr/>
+        </p:nvSpPr>
+        <p:spPr>
+          <a:xfrm>
+            <a:off x="1437430" y="87737"/>
+            <a:ext cx="9628999" cy="276999"/>
+          </a:xfrm>
+          <a:prstGeom prst="rect">
+            <a:avLst/>
+          </a:prstGeom>
+        </p:spPr>
+        <p:txBody>
+          <a:bodyPr wrap="square">
+            <a:spAutoFit/>
+          </a:bodyPr>
+          <a:lstStyle/>
+          <a:p>
+            <a:pPr algn="ctr"/>
+            <a:r>
+              <a:rPr lang="en-US" sz="1200" dirty="0" smtClean="0">
+                <a:solidFill>
+                  <a:srgbClr val="333132"/>
+                </a:solidFill>
+                <a:latin typeface="Times New Roman" panose="02020603050405020304" pitchFamily="18" charset="0"/>
+                <a:cs typeface="Times New Roman" panose="02020603050405020304" pitchFamily="18" charset="0"/>
+              </a:rPr>
+              <a:t>Sept 2024</a:t>
+            </a:r>
+            <a:endParaRPr lang="en-US" sz="1200" dirty="0">
+              <a:latin typeface="Times New Roman" panose="02020603050405020304" pitchFamily="18" charset="0"/>
+              <a:cs typeface="Times New Roman" panose="02020603050405020304" pitchFamily="18" charset="0"/>
+            </a:endParaRPr>
+          </a:p>
+        </p:txBody>
+      </p:sp>
+    </p:spTree>
+    <p:extLst>
+      <p:ext uri="{BB962C8B-B14F-4D97-AF65-F5344CB8AC3E}">
+        <p14:creationId xmlns:p14="http://schemas.microsoft.com/office/powerpoint/2010/main" val="2023449893"/>
+      </p:ext>
+    </p:extLst>
+  </p:cSld>
+  <p:clrMapOvr>
+    <a:masterClrMapping/>
+  </p:clrMapOvr>
+</p:sld>
+</file>
+
+<file path=ppt/slides/slide3.xml><?xml version="1.0" encoding="utf-8"?>
+<p:sld xmlns:a="http://schemas.openxmlformats.org/drawingml/2006/main" xmlns:r="http://schemas.openxmlformats.org/officeDocument/2006/relationships" xmlns:p="http://schemas.openxmlformats.org/presentationml/2006/main">
+  <p:cSld>
+    <p:spTree>
+      <p:nvGrpSpPr>
+        <p:cNvPr id="1" name=""/>
+        <p:cNvGrpSpPr/>
+        <p:nvPr/>
+      </p:nvGrpSpPr>
+      <p:grpSpPr>
+        <a:xfrm>
+          <a:off x="0" y="0"/>
+          <a:ext cx="0" cy="0"/>
+          <a:chOff x="0" y="0"/>
+          <a:chExt cx="0" cy="0"/>
+        </a:xfrm>
+      </p:grpSpPr>
+      <p:sp>
+        <p:nvSpPr>
+          <p:cNvPr id="4" name="CuadroTexto 3"/>
+          <p:cNvSpPr txBox="1"/>
+          <p:nvPr/>
+        </p:nvSpPr>
+        <p:spPr>
+          <a:xfrm>
+            <a:off x="2863172" y="2563295"/>
+            <a:ext cx="1161985" cy="369332"/>
+          </a:xfrm>
+          <a:prstGeom prst="rect">
+            <a:avLst/>
+          </a:prstGeom>
+          <a:noFill/>
+          <a:ln>
+            <a:solidFill>
+              <a:schemeClr val="tx1"/>
+            </a:solidFill>
+          </a:ln>
+        </p:spPr>
+        <p:txBody>
+          <a:bodyPr wrap="none" rtlCol="0">
+            <a:spAutoFit/>
+          </a:bodyPr>
+          <a:lstStyle/>
+          <a:p>
+            <a:r>
+              <a:rPr lang="en-US" dirty="0" smtClean="0">
+                <a:latin typeface="Times New Roman" panose="02020603050405020304" pitchFamily="18" charset="0"/>
+                <a:cs typeface="Times New Roman" panose="02020603050405020304" pitchFamily="18" charset="0"/>
+              </a:rPr>
+              <a:t>brightness</a:t>
+            </a:r>
+            <a:endParaRPr lang="en-US" dirty="0">
+              <a:latin typeface="Times New Roman" panose="02020603050405020304" pitchFamily="18" charset="0"/>
+              <a:cs typeface="Times New Roman" panose="02020603050405020304" pitchFamily="18" charset="0"/>
+            </a:endParaRPr>
+          </a:p>
+        </p:txBody>
+      </p:sp>
+      <p:sp>
+        <p:nvSpPr>
+          <p:cNvPr id="5" name="CuadroTexto 4"/>
+          <p:cNvSpPr txBox="1"/>
+          <p:nvPr/>
+        </p:nvSpPr>
+        <p:spPr>
+          <a:xfrm>
+            <a:off x="4751904" y="2563295"/>
+            <a:ext cx="591829" cy="369332"/>
+          </a:xfrm>
+          <a:prstGeom prst="rect">
+            <a:avLst/>
+          </a:prstGeom>
+          <a:noFill/>
+          <a:ln>
+            <a:solidFill>
+              <a:schemeClr val="tx1"/>
+            </a:solidFill>
+          </a:ln>
+        </p:spPr>
+        <p:txBody>
+          <a:bodyPr wrap="none" rtlCol="0">
+            <a:spAutoFit/>
+          </a:bodyPr>
+          <a:lstStyle/>
+          <a:p>
+            <a:r>
+              <a:rPr lang="en-US" dirty="0" smtClean="0">
+                <a:latin typeface="Times New Roman" panose="02020603050405020304" pitchFamily="18" charset="0"/>
+                <a:cs typeface="Times New Roman" panose="02020603050405020304" pitchFamily="18" charset="0"/>
+              </a:rPr>
+              <a:t>load</a:t>
+            </a:r>
+            <a:endParaRPr lang="en-US" dirty="0">
+              <a:latin typeface="Times New Roman" panose="02020603050405020304" pitchFamily="18" charset="0"/>
+              <a:cs typeface="Times New Roman" panose="02020603050405020304" pitchFamily="18" charset="0"/>
+            </a:endParaRPr>
+          </a:p>
+        </p:txBody>
+      </p:sp>
+      <p:sp>
+        <p:nvSpPr>
+          <p:cNvPr id="6" name="CuadroTexto 5"/>
+          <p:cNvSpPr txBox="1"/>
+          <p:nvPr/>
+        </p:nvSpPr>
+        <p:spPr>
+          <a:xfrm>
+            <a:off x="586140" y="1197286"/>
+            <a:ext cx="941283" cy="369332"/>
+          </a:xfrm>
+          <a:prstGeom prst="rect">
+            <a:avLst/>
+          </a:prstGeom>
+          <a:noFill/>
+          <a:ln>
+            <a:solidFill>
+              <a:schemeClr val="tx1"/>
+            </a:solidFill>
+          </a:ln>
+        </p:spPr>
+        <p:txBody>
+          <a:bodyPr wrap="none" rtlCol="0">
+            <a:spAutoFit/>
+          </a:bodyPr>
+          <a:lstStyle/>
+          <a:p>
+            <a:r>
+              <a:rPr lang="en-US" dirty="0" smtClean="0">
+                <a:latin typeface="Times New Roman" panose="02020603050405020304" pitchFamily="18" charset="0"/>
+                <a:cs typeface="Times New Roman" panose="02020603050405020304" pitchFamily="18" charset="0"/>
+              </a:rPr>
+              <a:t>arboreal</a:t>
+            </a:r>
+            <a:endParaRPr lang="en-US" dirty="0">
+              <a:latin typeface="Times New Roman" panose="02020603050405020304" pitchFamily="18" charset="0"/>
+              <a:cs typeface="Times New Roman" panose="02020603050405020304" pitchFamily="18" charset="0"/>
+            </a:endParaRPr>
+          </a:p>
+        </p:txBody>
+      </p:sp>
+      <p:sp>
+        <p:nvSpPr>
+          <p:cNvPr id="7" name="CuadroTexto 6"/>
+          <p:cNvSpPr txBox="1"/>
+          <p:nvPr/>
+        </p:nvSpPr>
+        <p:spPr>
+          <a:xfrm>
+            <a:off x="6720020" y="1190974"/>
+            <a:ext cx="774571" cy="369332"/>
+          </a:xfrm>
+          <a:prstGeom prst="rect">
+            <a:avLst/>
+          </a:prstGeom>
+          <a:noFill/>
+          <a:ln>
+            <a:solidFill>
+              <a:schemeClr val="tx1"/>
+            </a:solidFill>
+          </a:ln>
+        </p:spPr>
+        <p:txBody>
+          <a:bodyPr wrap="none" rtlCol="0">
+            <a:spAutoFit/>
+          </a:bodyPr>
+          <a:lstStyle/>
+          <a:p>
+            <a:r>
+              <a:rPr lang="en-US" dirty="0" smtClean="0">
+                <a:latin typeface="Times New Roman" panose="02020603050405020304" pitchFamily="18" charset="0"/>
+                <a:cs typeface="Times New Roman" panose="02020603050405020304" pitchFamily="18" charset="0"/>
+              </a:rPr>
+              <a:t>humid</a:t>
+            </a:r>
+            <a:endParaRPr lang="en-US" dirty="0">
+              <a:latin typeface="Times New Roman" panose="02020603050405020304" pitchFamily="18" charset="0"/>
+              <a:cs typeface="Times New Roman" panose="02020603050405020304" pitchFamily="18" charset="0"/>
+            </a:endParaRPr>
+          </a:p>
+        </p:txBody>
+      </p:sp>
+      <p:sp>
+        <p:nvSpPr>
+          <p:cNvPr id="8" name="CuadroTexto 7"/>
+          <p:cNvSpPr txBox="1"/>
+          <p:nvPr/>
+        </p:nvSpPr>
+        <p:spPr>
+          <a:xfrm>
+            <a:off x="1812921" y="4091040"/>
+            <a:ext cx="1114408" cy="369332"/>
+          </a:xfrm>
+          <a:prstGeom prst="rect">
+            <a:avLst/>
+          </a:prstGeom>
+          <a:noFill/>
+          <a:ln>
+            <a:solidFill>
+              <a:schemeClr val="tx1"/>
+            </a:solidFill>
+          </a:ln>
+        </p:spPr>
+        <p:txBody>
+          <a:bodyPr wrap="none" rtlCol="0">
+            <a:spAutoFit/>
+          </a:bodyPr>
+          <a:lstStyle/>
+          <a:p>
+            <a:r>
+              <a:rPr lang="en-US" dirty="0">
+                <a:latin typeface="Times New Roman" panose="02020603050405020304" pitchFamily="18" charset="0"/>
+                <a:cs typeface="Times New Roman" panose="02020603050405020304" pitchFamily="18" charset="0"/>
+              </a:rPr>
+              <a:t>i</a:t>
+            </a:r>
+            <a:r>
+              <a:rPr lang="en-US" dirty="0" smtClean="0">
+                <a:latin typeface="Times New Roman" panose="02020603050405020304" pitchFamily="18" charset="0"/>
+                <a:cs typeface="Times New Roman" panose="02020603050405020304" pitchFamily="18" charset="0"/>
+              </a:rPr>
+              <a:t>sland age</a:t>
+            </a:r>
+            <a:endParaRPr lang="en-US" dirty="0">
+              <a:latin typeface="Times New Roman" panose="02020603050405020304" pitchFamily="18" charset="0"/>
+              <a:cs typeface="Times New Roman" panose="02020603050405020304" pitchFamily="18" charset="0"/>
+            </a:endParaRPr>
+          </a:p>
+        </p:txBody>
+      </p:sp>
+      <p:sp>
+        <p:nvSpPr>
+          <p:cNvPr id="9" name="CuadroTexto 8"/>
+          <p:cNvSpPr txBox="1"/>
+          <p:nvPr/>
+        </p:nvSpPr>
+        <p:spPr>
+          <a:xfrm>
+            <a:off x="5224574" y="4091040"/>
+            <a:ext cx="1178528" cy="369332"/>
+          </a:xfrm>
+          <a:prstGeom prst="rect">
+            <a:avLst/>
+          </a:prstGeom>
+          <a:noFill/>
+          <a:ln>
+            <a:solidFill>
+              <a:schemeClr val="tx1"/>
+            </a:solidFill>
+          </a:ln>
+        </p:spPr>
+        <p:txBody>
+          <a:bodyPr wrap="none" rtlCol="0">
+            <a:spAutoFit/>
+          </a:bodyPr>
+          <a:lstStyle/>
+          <a:p>
+            <a:r>
+              <a:rPr lang="en-US" dirty="0">
+                <a:latin typeface="Times New Roman" panose="02020603050405020304" pitchFamily="18" charset="0"/>
+                <a:cs typeface="Times New Roman" panose="02020603050405020304" pitchFamily="18" charset="0"/>
+              </a:rPr>
+              <a:t>i</a:t>
+            </a:r>
+            <a:r>
+              <a:rPr lang="en-US" dirty="0" smtClean="0">
+                <a:latin typeface="Times New Roman" panose="02020603050405020304" pitchFamily="18" charset="0"/>
+                <a:cs typeface="Times New Roman" panose="02020603050405020304" pitchFamily="18" charset="0"/>
+              </a:rPr>
+              <a:t>sland area</a:t>
+            </a:r>
+            <a:endParaRPr lang="en-US" dirty="0">
+              <a:latin typeface="Times New Roman" panose="02020603050405020304" pitchFamily="18" charset="0"/>
+              <a:cs typeface="Times New Roman" panose="02020603050405020304" pitchFamily="18" charset="0"/>
+            </a:endParaRPr>
+          </a:p>
+        </p:txBody>
+      </p:sp>
+      <p:cxnSp>
+        <p:nvCxnSpPr>
+          <p:cNvPr id="13" name="Conector recto de flecha 12"/>
+          <p:cNvCxnSpPr>
+            <a:stCxn id="6" idx="2"/>
+            <a:endCxn id="4" idx="0"/>
+          </p:cNvCxnSpPr>
+          <p:nvPr/>
+        </p:nvCxnSpPr>
+        <p:spPr>
+          <a:xfrm>
+            <a:off x="1056782" y="1566618"/>
+            <a:ext cx="2387383" cy="996677"/>
+          </a:xfrm>
+          <a:prstGeom prst="straightConnector1">
+            <a:avLst/>
+          </a:prstGeom>
+          <a:ln>
+            <a:solidFill>
+              <a:srgbClr val="00B050"/>
+            </a:solidFill>
+            <a:tailEnd type="triangle"/>
+          </a:ln>
+        </p:spPr>
+        <p:style>
+          <a:lnRef idx="1">
+            <a:schemeClr val="accent1"/>
+          </a:lnRef>
+          <a:fillRef idx="0">
+            <a:schemeClr val="accent1"/>
+          </a:fillRef>
+          <a:effectRef idx="0">
+            <a:schemeClr val="accent1"/>
+          </a:effectRef>
+          <a:fontRef idx="minor">
+            <a:schemeClr val="tx1"/>
+          </a:fontRef>
+        </p:style>
+      </p:cxnSp>
+      <p:cxnSp>
+        <p:nvCxnSpPr>
+          <p:cNvPr id="14" name="Conector recto de flecha 13"/>
+          <p:cNvCxnSpPr>
+            <a:stCxn id="6" idx="2"/>
+            <a:endCxn id="5" idx="0"/>
+          </p:cNvCxnSpPr>
+          <p:nvPr/>
+        </p:nvCxnSpPr>
+        <p:spPr>
+          <a:xfrm>
+            <a:off x="1056782" y="1566618"/>
+            <a:ext cx="3991037" cy="996677"/>
+          </a:xfrm>
+          <a:prstGeom prst="straightConnector1">
+            <a:avLst/>
+          </a:prstGeom>
+          <a:ln>
+            <a:solidFill>
+              <a:srgbClr val="FF0000"/>
+            </a:solidFill>
+            <a:tailEnd type="triangle"/>
+          </a:ln>
+        </p:spPr>
+        <p:style>
+          <a:lnRef idx="1">
+            <a:schemeClr val="accent1"/>
+          </a:lnRef>
+          <a:fillRef idx="0">
+            <a:schemeClr val="accent1"/>
+          </a:fillRef>
+          <a:effectRef idx="0">
+            <a:schemeClr val="accent1"/>
+          </a:effectRef>
+          <a:fontRef idx="minor">
+            <a:schemeClr val="tx1"/>
+          </a:fontRef>
+        </p:style>
+      </p:cxnSp>
+      <p:cxnSp>
+        <p:nvCxnSpPr>
+          <p:cNvPr id="17" name="Conector recto de flecha 16"/>
+          <p:cNvCxnSpPr>
+            <a:stCxn id="7" idx="2"/>
+            <a:endCxn id="4" idx="0"/>
+          </p:cNvCxnSpPr>
+          <p:nvPr/>
+        </p:nvCxnSpPr>
+        <p:spPr>
+          <a:xfrm flipH="1">
+            <a:off x="3444165" y="1560306"/>
+            <a:ext cx="3663141" cy="1002989"/>
+          </a:xfrm>
+          <a:prstGeom prst="straightConnector1">
+            <a:avLst/>
+          </a:prstGeom>
+          <a:ln>
+            <a:solidFill>
+              <a:srgbClr val="00B050"/>
+            </a:solidFill>
+            <a:prstDash val="solid"/>
+            <a:tailEnd type="triangle"/>
+          </a:ln>
+        </p:spPr>
+        <p:style>
+          <a:lnRef idx="1">
+            <a:schemeClr val="accent1"/>
+          </a:lnRef>
+          <a:fillRef idx="0">
+            <a:schemeClr val="accent1"/>
+          </a:fillRef>
+          <a:effectRef idx="0">
+            <a:schemeClr val="accent1"/>
+          </a:effectRef>
+          <a:fontRef idx="minor">
+            <a:schemeClr val="tx1"/>
+          </a:fontRef>
+        </p:style>
+      </p:cxnSp>
+      <p:cxnSp>
+        <p:nvCxnSpPr>
+          <p:cNvPr id="20" name="Conector recto de flecha 19"/>
+          <p:cNvCxnSpPr>
+            <a:stCxn id="7" idx="2"/>
+            <a:endCxn id="5" idx="0"/>
+          </p:cNvCxnSpPr>
+          <p:nvPr/>
+        </p:nvCxnSpPr>
+        <p:spPr>
+          <a:xfrm flipH="1">
+            <a:off x="5047819" y="1560306"/>
+            <a:ext cx="2059487" cy="1002989"/>
+          </a:xfrm>
+          <a:prstGeom prst="straightConnector1">
+            <a:avLst/>
+          </a:prstGeom>
+          <a:ln>
+            <a:solidFill>
+              <a:srgbClr val="00B050"/>
+            </a:solidFill>
+            <a:tailEnd type="triangle"/>
+          </a:ln>
+        </p:spPr>
+        <p:style>
+          <a:lnRef idx="1">
+            <a:schemeClr val="accent1"/>
+          </a:lnRef>
+          <a:fillRef idx="0">
+            <a:schemeClr val="accent1"/>
+          </a:fillRef>
+          <a:effectRef idx="0">
+            <a:schemeClr val="accent1"/>
+          </a:effectRef>
+          <a:fontRef idx="minor">
+            <a:schemeClr val="tx1"/>
+          </a:fontRef>
+        </p:style>
+      </p:cxnSp>
+      <p:cxnSp>
+        <p:nvCxnSpPr>
+          <p:cNvPr id="23" name="Conector recto de flecha 22"/>
+          <p:cNvCxnSpPr>
+            <a:stCxn id="8" idx="0"/>
+            <a:endCxn id="4" idx="2"/>
+          </p:cNvCxnSpPr>
+          <p:nvPr/>
+        </p:nvCxnSpPr>
+        <p:spPr>
+          <a:xfrm flipV="1">
+            <a:off x="2370125" y="2932627"/>
+            <a:ext cx="1074040" cy="1158413"/>
+          </a:xfrm>
+          <a:prstGeom prst="straightConnector1">
+            <a:avLst/>
+          </a:prstGeom>
+          <a:ln>
+            <a:solidFill>
+              <a:schemeClr val="tx1"/>
+            </a:solidFill>
+            <a:prstDash val="dash"/>
+            <a:tailEnd type="triangle"/>
+          </a:ln>
+        </p:spPr>
+        <p:style>
+          <a:lnRef idx="1">
+            <a:schemeClr val="accent1"/>
+          </a:lnRef>
+          <a:fillRef idx="0">
+            <a:schemeClr val="accent1"/>
+          </a:fillRef>
+          <a:effectRef idx="0">
+            <a:schemeClr val="accent1"/>
+          </a:effectRef>
+          <a:fontRef idx="minor">
+            <a:schemeClr val="tx1"/>
+          </a:fontRef>
+        </p:style>
+      </p:cxnSp>
+      <p:cxnSp>
+        <p:nvCxnSpPr>
+          <p:cNvPr id="26" name="Conector recto de flecha 25"/>
+          <p:cNvCxnSpPr>
+            <a:stCxn id="8" idx="0"/>
+            <a:endCxn id="5" idx="2"/>
+          </p:cNvCxnSpPr>
+          <p:nvPr/>
+        </p:nvCxnSpPr>
+        <p:spPr>
+          <a:xfrm flipV="1">
+            <a:off x="2370125" y="2932627"/>
+            <a:ext cx="2677694" cy="1158413"/>
+          </a:xfrm>
+          <a:prstGeom prst="straightConnector1">
+            <a:avLst/>
+          </a:prstGeom>
+          <a:ln>
+            <a:solidFill>
+              <a:schemeClr val="tx1"/>
+            </a:solidFill>
+            <a:prstDash val="dash"/>
+            <a:tailEnd type="triangle"/>
+          </a:ln>
+        </p:spPr>
+        <p:style>
+          <a:lnRef idx="1">
+            <a:schemeClr val="accent1"/>
+          </a:lnRef>
+          <a:fillRef idx="0">
+            <a:schemeClr val="accent1"/>
+          </a:fillRef>
+          <a:effectRef idx="0">
+            <a:schemeClr val="accent1"/>
+          </a:effectRef>
+          <a:fontRef idx="minor">
+            <a:schemeClr val="tx1"/>
+          </a:fontRef>
+        </p:style>
+      </p:cxnSp>
+      <p:cxnSp>
+        <p:nvCxnSpPr>
+          <p:cNvPr id="29" name="Conector recto de flecha 28"/>
+          <p:cNvCxnSpPr>
+            <a:stCxn id="9" idx="0"/>
+            <a:endCxn id="4" idx="2"/>
+          </p:cNvCxnSpPr>
+          <p:nvPr/>
+        </p:nvCxnSpPr>
+        <p:spPr>
+          <a:xfrm flipH="1" flipV="1">
+            <a:off x="3444165" y="2932627"/>
+            <a:ext cx="2369673" cy="1158413"/>
+          </a:xfrm>
+          <a:prstGeom prst="straightConnector1">
+            <a:avLst/>
+          </a:prstGeom>
+          <a:ln>
+            <a:solidFill>
+              <a:schemeClr val="tx1"/>
+            </a:solidFill>
+            <a:prstDash val="dash"/>
+            <a:tailEnd type="triangle"/>
+          </a:ln>
+        </p:spPr>
+        <p:style>
+          <a:lnRef idx="1">
+            <a:schemeClr val="accent1"/>
+          </a:lnRef>
+          <a:fillRef idx="0">
+            <a:schemeClr val="accent1"/>
+          </a:fillRef>
+          <a:effectRef idx="0">
+            <a:schemeClr val="accent1"/>
+          </a:effectRef>
+          <a:fontRef idx="minor">
+            <a:schemeClr val="tx1"/>
+          </a:fontRef>
+        </p:style>
+      </p:cxnSp>
+      <p:cxnSp>
+        <p:nvCxnSpPr>
+          <p:cNvPr id="32" name="Conector recto de flecha 31"/>
+          <p:cNvCxnSpPr>
+            <a:stCxn id="9" idx="0"/>
+            <a:endCxn id="5" idx="2"/>
+          </p:cNvCxnSpPr>
+          <p:nvPr/>
+        </p:nvCxnSpPr>
+        <p:spPr>
+          <a:xfrm flipH="1" flipV="1">
+            <a:off x="5047819" y="2932627"/>
+            <a:ext cx="766019" cy="1158413"/>
+          </a:xfrm>
+          <a:prstGeom prst="straightConnector1">
+            <a:avLst/>
+          </a:prstGeom>
+          <a:ln>
+            <a:solidFill>
+              <a:srgbClr val="00B050"/>
+            </a:solidFill>
+            <a:tailEnd type="triangle"/>
+          </a:ln>
+        </p:spPr>
+        <p:style>
+          <a:lnRef idx="1">
+            <a:schemeClr val="accent1"/>
+          </a:lnRef>
+          <a:fillRef idx="0">
+            <a:schemeClr val="accent1"/>
+          </a:fillRef>
+          <a:effectRef idx="0">
+            <a:schemeClr val="accent1"/>
+          </a:effectRef>
+          <a:fontRef idx="minor">
+            <a:schemeClr val="tx1"/>
+          </a:fontRef>
+        </p:style>
+      </p:cxnSp>
+      <p:sp>
+        <p:nvSpPr>
+          <p:cNvPr id="39" name="CuadroTexto 38"/>
+          <p:cNvSpPr txBox="1"/>
+          <p:nvPr/>
+        </p:nvSpPr>
+        <p:spPr>
+          <a:xfrm>
+            <a:off x="2194221" y="1197286"/>
+            <a:ext cx="1069524" cy="369332"/>
+          </a:xfrm>
+          <a:prstGeom prst="rect">
+            <a:avLst/>
+          </a:prstGeom>
+          <a:noFill/>
+          <a:ln>
+            <a:solidFill>
+              <a:schemeClr val="tx1"/>
+            </a:solidFill>
+          </a:ln>
+        </p:spPr>
+        <p:txBody>
+          <a:bodyPr wrap="none" rtlCol="0">
+            <a:spAutoFit/>
+          </a:bodyPr>
+          <a:lstStyle/>
+          <a:p>
+            <a:r>
+              <a:rPr lang="en-US" dirty="0" smtClean="0">
+                <a:latin typeface="Times New Roman" panose="02020603050405020304" pitchFamily="18" charset="0"/>
+                <a:cs typeface="Times New Roman" panose="02020603050405020304" pitchFamily="18" charset="0"/>
+              </a:rPr>
+              <a:t>terrestrial</a:t>
+            </a:r>
+            <a:endParaRPr lang="en-US" dirty="0">
+              <a:latin typeface="Times New Roman" panose="02020603050405020304" pitchFamily="18" charset="0"/>
+              <a:cs typeface="Times New Roman" panose="02020603050405020304" pitchFamily="18" charset="0"/>
+            </a:endParaRPr>
+          </a:p>
+        </p:txBody>
+      </p:sp>
+      <p:sp>
+        <p:nvSpPr>
+          <p:cNvPr id="40" name="CuadroTexto 39"/>
+          <p:cNvSpPr txBox="1"/>
+          <p:nvPr/>
+        </p:nvSpPr>
+        <p:spPr>
+          <a:xfrm>
+            <a:off x="5486878" y="636976"/>
+            <a:ext cx="1640193" cy="369332"/>
+          </a:xfrm>
+          <a:prstGeom prst="rect">
+            <a:avLst/>
+          </a:prstGeom>
+          <a:noFill/>
+          <a:ln>
+            <a:noFill/>
+          </a:ln>
+        </p:spPr>
+        <p:txBody>
+          <a:bodyPr wrap="none" rtlCol="0">
+            <a:spAutoFit/>
+          </a:bodyPr>
+          <a:lstStyle/>
+          <a:p>
+            <a:r>
+              <a:rPr lang="en-US" dirty="0">
+                <a:latin typeface="Times New Roman" panose="02020603050405020304" pitchFamily="18" charset="0"/>
+                <a:cs typeface="Times New Roman" panose="02020603050405020304" pitchFamily="18" charset="0"/>
+              </a:rPr>
+              <a:t>v</a:t>
+            </a:r>
+            <a:r>
+              <a:rPr lang="en-US" dirty="0" smtClean="0">
+                <a:latin typeface="Times New Roman" panose="02020603050405020304" pitchFamily="18" charset="0"/>
+                <a:cs typeface="Times New Roman" panose="02020603050405020304" pitchFamily="18" charset="0"/>
+              </a:rPr>
+              <a:t>egetation zone</a:t>
+            </a:r>
+            <a:endParaRPr lang="en-US" dirty="0">
+              <a:latin typeface="Times New Roman" panose="02020603050405020304" pitchFamily="18" charset="0"/>
+              <a:cs typeface="Times New Roman" panose="02020603050405020304" pitchFamily="18" charset="0"/>
+            </a:endParaRPr>
+          </a:p>
+        </p:txBody>
+      </p:sp>
+      <p:sp>
+        <p:nvSpPr>
+          <p:cNvPr id="41" name="CuadroTexto 40"/>
+          <p:cNvSpPr txBox="1"/>
+          <p:nvPr/>
+        </p:nvSpPr>
+        <p:spPr>
+          <a:xfrm>
+            <a:off x="5215009" y="1190974"/>
+            <a:ext cx="543739" cy="369332"/>
+          </a:xfrm>
+          <a:prstGeom prst="rect">
+            <a:avLst/>
+          </a:prstGeom>
+          <a:noFill/>
+          <a:ln>
+            <a:solidFill>
+              <a:schemeClr val="tx1"/>
+            </a:solidFill>
+          </a:ln>
+        </p:spPr>
+        <p:txBody>
+          <a:bodyPr wrap="none" rtlCol="0">
+            <a:spAutoFit/>
+          </a:bodyPr>
+          <a:lstStyle/>
+          <a:p>
+            <a:r>
+              <a:rPr lang="en-US" dirty="0" smtClean="0">
+                <a:latin typeface="Times New Roman" panose="02020603050405020304" pitchFamily="18" charset="0"/>
+                <a:cs typeface="Times New Roman" panose="02020603050405020304" pitchFamily="18" charset="0"/>
+              </a:rPr>
+              <a:t>arid</a:t>
+            </a:r>
+            <a:endParaRPr lang="en-US" dirty="0">
+              <a:latin typeface="Times New Roman" panose="02020603050405020304" pitchFamily="18" charset="0"/>
+              <a:cs typeface="Times New Roman" panose="02020603050405020304" pitchFamily="18" charset="0"/>
+            </a:endParaRPr>
+          </a:p>
+        </p:txBody>
+      </p:sp>
+      <p:cxnSp>
+        <p:nvCxnSpPr>
+          <p:cNvPr id="44" name="Conector recto de flecha 43"/>
+          <p:cNvCxnSpPr>
+            <a:stCxn id="41" idx="2"/>
+            <a:endCxn id="5" idx="0"/>
+          </p:cNvCxnSpPr>
+          <p:nvPr/>
+        </p:nvCxnSpPr>
+        <p:spPr>
+          <a:xfrm flipH="1">
+            <a:off x="5047819" y="1560306"/>
+            <a:ext cx="439060" cy="1002989"/>
+          </a:xfrm>
+          <a:prstGeom prst="straightConnector1">
+            <a:avLst/>
+          </a:prstGeom>
+          <a:ln>
+            <a:solidFill>
+              <a:srgbClr val="FF0000"/>
+            </a:solidFill>
+            <a:tailEnd type="triangle"/>
+          </a:ln>
+        </p:spPr>
+        <p:style>
+          <a:lnRef idx="1">
+            <a:schemeClr val="accent1"/>
+          </a:lnRef>
+          <a:fillRef idx="0">
+            <a:schemeClr val="accent1"/>
+          </a:fillRef>
+          <a:effectRef idx="0">
+            <a:schemeClr val="accent1"/>
+          </a:effectRef>
+          <a:fontRef idx="minor">
+            <a:schemeClr val="tx1"/>
+          </a:fontRef>
+        </p:style>
+      </p:cxnSp>
+      <p:cxnSp>
+        <p:nvCxnSpPr>
+          <p:cNvPr id="47" name="Conector recto de flecha 46"/>
+          <p:cNvCxnSpPr>
+            <a:stCxn id="41" idx="2"/>
+            <a:endCxn id="4" idx="0"/>
+          </p:cNvCxnSpPr>
+          <p:nvPr/>
+        </p:nvCxnSpPr>
+        <p:spPr>
+          <a:xfrm flipH="1">
+            <a:off x="3444165" y="1560306"/>
+            <a:ext cx="2042714" cy="1002989"/>
+          </a:xfrm>
+          <a:prstGeom prst="straightConnector1">
+            <a:avLst/>
+          </a:prstGeom>
+          <a:ln>
+            <a:solidFill>
+              <a:srgbClr val="00B050"/>
+            </a:solidFill>
+            <a:tailEnd type="triangle"/>
+          </a:ln>
+        </p:spPr>
+        <p:style>
+          <a:lnRef idx="1">
+            <a:schemeClr val="accent1"/>
+          </a:lnRef>
+          <a:fillRef idx="0">
+            <a:schemeClr val="accent1"/>
+          </a:fillRef>
+          <a:effectRef idx="0">
+            <a:schemeClr val="accent1"/>
+          </a:effectRef>
+          <a:fontRef idx="minor">
+            <a:schemeClr val="tx1"/>
+          </a:fontRef>
+        </p:style>
+      </p:cxnSp>
+      <p:cxnSp>
+        <p:nvCxnSpPr>
+          <p:cNvPr id="50" name="Conector recto de flecha 49"/>
+          <p:cNvCxnSpPr>
+            <a:stCxn id="39" idx="2"/>
+            <a:endCxn id="4" idx="0"/>
+          </p:cNvCxnSpPr>
+          <p:nvPr/>
+        </p:nvCxnSpPr>
+        <p:spPr>
+          <a:xfrm>
+            <a:off x="2728983" y="1566618"/>
+            <a:ext cx="715182" cy="996677"/>
+          </a:xfrm>
+          <a:prstGeom prst="straightConnector1">
+            <a:avLst/>
+          </a:prstGeom>
+          <a:ln>
+            <a:solidFill>
+              <a:schemeClr val="tx1"/>
+            </a:solidFill>
+            <a:prstDash val="dash"/>
+            <a:tailEnd type="triangle"/>
+          </a:ln>
+        </p:spPr>
+        <p:style>
+          <a:lnRef idx="1">
+            <a:schemeClr val="accent1"/>
+          </a:lnRef>
+          <a:fillRef idx="0">
+            <a:schemeClr val="accent1"/>
+          </a:fillRef>
+          <a:effectRef idx="0">
+            <a:schemeClr val="accent1"/>
+          </a:effectRef>
+          <a:fontRef idx="minor">
+            <a:schemeClr val="tx1"/>
+          </a:fontRef>
+        </p:style>
+      </p:cxnSp>
+      <p:cxnSp>
+        <p:nvCxnSpPr>
+          <p:cNvPr id="52" name="Conector recto de flecha 51"/>
+          <p:cNvCxnSpPr>
+            <a:stCxn id="39" idx="2"/>
+            <a:endCxn id="5" idx="0"/>
+          </p:cNvCxnSpPr>
+          <p:nvPr/>
+        </p:nvCxnSpPr>
+        <p:spPr>
+          <a:xfrm>
+            <a:off x="2728983" y="1566618"/>
+            <a:ext cx="2318836" cy="996677"/>
+          </a:xfrm>
+          <a:prstGeom prst="straightConnector1">
+            <a:avLst/>
+          </a:prstGeom>
+          <a:ln>
+            <a:solidFill>
+              <a:srgbClr val="00B050"/>
+            </a:solidFill>
+            <a:tailEnd type="triangle"/>
+          </a:ln>
+        </p:spPr>
+        <p:style>
+          <a:lnRef idx="1">
+            <a:schemeClr val="accent1"/>
+          </a:lnRef>
+          <a:fillRef idx="0">
+            <a:schemeClr val="accent1"/>
+          </a:fillRef>
+          <a:effectRef idx="0">
+            <a:schemeClr val="accent1"/>
+          </a:effectRef>
+          <a:fontRef idx="minor">
+            <a:schemeClr val="tx1"/>
+          </a:fontRef>
+        </p:style>
+      </p:cxnSp>
+      <p:sp>
+        <p:nvSpPr>
+          <p:cNvPr id="66" name="CuadroTexto 65"/>
+          <p:cNvSpPr txBox="1"/>
+          <p:nvPr/>
+        </p:nvSpPr>
+        <p:spPr>
+          <a:xfrm>
+            <a:off x="1437430" y="646553"/>
+            <a:ext cx="813043" cy="369332"/>
+          </a:xfrm>
+          <a:prstGeom prst="rect">
+            <a:avLst/>
+          </a:prstGeom>
+          <a:noFill/>
+          <a:ln>
+            <a:noFill/>
+          </a:ln>
+        </p:spPr>
+        <p:txBody>
+          <a:bodyPr wrap="none" rtlCol="0">
+            <a:spAutoFit/>
+          </a:bodyPr>
+          <a:lstStyle/>
+          <a:p>
+            <a:r>
+              <a:rPr lang="en-US" dirty="0">
+                <a:latin typeface="Times New Roman" panose="02020603050405020304" pitchFamily="18" charset="0"/>
+                <a:cs typeface="Times New Roman" panose="02020603050405020304" pitchFamily="18" charset="0"/>
+              </a:rPr>
+              <a:t>h</a:t>
+            </a:r>
+            <a:r>
+              <a:rPr lang="en-US" dirty="0" smtClean="0">
+                <a:latin typeface="Times New Roman" panose="02020603050405020304" pitchFamily="18" charset="0"/>
+                <a:cs typeface="Times New Roman" panose="02020603050405020304" pitchFamily="18" charset="0"/>
+              </a:rPr>
+              <a:t>abitat</a:t>
+            </a:r>
+            <a:endParaRPr lang="en-US" dirty="0">
+              <a:latin typeface="Times New Roman" panose="02020603050405020304" pitchFamily="18" charset="0"/>
+              <a:cs typeface="Times New Roman" panose="02020603050405020304" pitchFamily="18" charset="0"/>
+            </a:endParaRPr>
+          </a:p>
+        </p:txBody>
+      </p:sp>
+      <p:cxnSp>
+        <p:nvCxnSpPr>
+          <p:cNvPr id="68" name="Conector recto de flecha 67"/>
+          <p:cNvCxnSpPr>
+            <a:stCxn id="4" idx="3"/>
+            <a:endCxn id="5" idx="1"/>
+          </p:cNvCxnSpPr>
+          <p:nvPr/>
+        </p:nvCxnSpPr>
+        <p:spPr>
+          <a:xfrm>
+            <a:off x="4025157" y="2747961"/>
+            <a:ext cx="726747" cy="0"/>
+          </a:xfrm>
+          <a:prstGeom prst="straightConnector1">
+            <a:avLst/>
+          </a:prstGeom>
+          <a:ln>
+            <a:solidFill>
+              <a:schemeClr val="tx1"/>
+            </a:solidFill>
+            <a:prstDash val="dash"/>
+            <a:tailEnd type="triangle"/>
+          </a:ln>
+        </p:spPr>
+        <p:style>
+          <a:lnRef idx="1">
+            <a:schemeClr val="accent1"/>
+          </a:lnRef>
+          <a:fillRef idx="0">
+            <a:schemeClr val="accent1"/>
+          </a:fillRef>
+          <a:effectRef idx="0">
+            <a:schemeClr val="accent1"/>
+          </a:effectRef>
+          <a:fontRef idx="minor">
+            <a:schemeClr val="tx1"/>
+          </a:fontRef>
+        </p:style>
+      </p:cxnSp>
+      <p:cxnSp>
+        <p:nvCxnSpPr>
+          <p:cNvPr id="85" name="Conector recto 84"/>
+          <p:cNvCxnSpPr>
+            <a:stCxn id="66" idx="2"/>
+            <a:endCxn id="6" idx="0"/>
+          </p:cNvCxnSpPr>
+          <p:nvPr/>
+        </p:nvCxnSpPr>
+        <p:spPr>
+          <a:xfrm flipH="1">
+            <a:off x="1056782" y="1015885"/>
+            <a:ext cx="787170" cy="181401"/>
+          </a:xfrm>
+          <a:prstGeom prst="line">
+            <a:avLst/>
+          </a:prstGeom>
+          <a:ln>
+            <a:solidFill>
+              <a:schemeClr val="bg1">
+                <a:lumMod val="65000"/>
+              </a:schemeClr>
+            </a:solidFill>
+          </a:ln>
+        </p:spPr>
+        <p:style>
+          <a:lnRef idx="1">
+            <a:schemeClr val="accent1"/>
+          </a:lnRef>
+          <a:fillRef idx="0">
+            <a:schemeClr val="accent1"/>
+          </a:fillRef>
+          <a:effectRef idx="0">
+            <a:schemeClr val="accent1"/>
+          </a:effectRef>
+          <a:fontRef idx="minor">
+            <a:schemeClr val="tx1"/>
+          </a:fontRef>
+        </p:style>
+      </p:cxnSp>
+      <p:cxnSp>
+        <p:nvCxnSpPr>
+          <p:cNvPr id="86" name="Conector recto 85"/>
+          <p:cNvCxnSpPr>
+            <a:stCxn id="66" idx="2"/>
+            <a:endCxn id="39" idx="0"/>
+          </p:cNvCxnSpPr>
+          <p:nvPr/>
+        </p:nvCxnSpPr>
+        <p:spPr>
+          <a:xfrm>
+            <a:off x="1843952" y="1015885"/>
+            <a:ext cx="885031" cy="181401"/>
+          </a:xfrm>
+          <a:prstGeom prst="line">
+            <a:avLst/>
+          </a:prstGeom>
+          <a:ln>
+            <a:solidFill>
+              <a:schemeClr val="bg1">
+                <a:lumMod val="65000"/>
+              </a:schemeClr>
+            </a:solidFill>
+          </a:ln>
+        </p:spPr>
+        <p:style>
+          <a:lnRef idx="1">
+            <a:schemeClr val="accent1"/>
+          </a:lnRef>
+          <a:fillRef idx="0">
+            <a:schemeClr val="accent1"/>
+          </a:fillRef>
+          <a:effectRef idx="0">
+            <a:schemeClr val="accent1"/>
+          </a:effectRef>
+          <a:fontRef idx="minor">
+            <a:schemeClr val="tx1"/>
+          </a:fontRef>
+        </p:style>
+      </p:cxnSp>
+      <p:cxnSp>
+        <p:nvCxnSpPr>
+          <p:cNvPr id="89" name="Conector recto 88"/>
+          <p:cNvCxnSpPr>
+            <a:stCxn id="40" idx="2"/>
+            <a:endCxn id="41" idx="0"/>
+          </p:cNvCxnSpPr>
+          <p:nvPr/>
+        </p:nvCxnSpPr>
+        <p:spPr>
+          <a:xfrm flipH="1">
+            <a:off x="5486879" y="1006308"/>
+            <a:ext cx="820096" cy="184666"/>
+          </a:xfrm>
+          <a:prstGeom prst="line">
+            <a:avLst/>
+          </a:prstGeom>
+          <a:ln>
+            <a:solidFill>
+              <a:schemeClr val="bg1">
+                <a:lumMod val="65000"/>
+              </a:schemeClr>
+            </a:solidFill>
+          </a:ln>
+        </p:spPr>
+        <p:style>
+          <a:lnRef idx="1">
+            <a:schemeClr val="accent1"/>
+          </a:lnRef>
+          <a:fillRef idx="0">
+            <a:schemeClr val="accent1"/>
+          </a:fillRef>
+          <a:effectRef idx="0">
+            <a:schemeClr val="accent1"/>
+          </a:effectRef>
+          <a:fontRef idx="minor">
+            <a:schemeClr val="tx1"/>
+          </a:fontRef>
+        </p:style>
+      </p:cxnSp>
+      <p:cxnSp>
+        <p:nvCxnSpPr>
+          <p:cNvPr id="90" name="Conector recto 89"/>
+          <p:cNvCxnSpPr>
+            <a:stCxn id="40" idx="2"/>
+            <a:endCxn id="7" idx="0"/>
+          </p:cNvCxnSpPr>
+          <p:nvPr/>
+        </p:nvCxnSpPr>
+        <p:spPr>
+          <a:xfrm>
+            <a:off x="6306975" y="1006308"/>
+            <a:ext cx="800331" cy="184666"/>
+          </a:xfrm>
+          <a:prstGeom prst="line">
+            <a:avLst/>
+          </a:prstGeom>
+          <a:ln>
+            <a:solidFill>
+              <a:schemeClr val="bg1">
+                <a:lumMod val="65000"/>
+              </a:schemeClr>
+            </a:solidFill>
+          </a:ln>
+        </p:spPr>
+        <p:style>
+          <a:lnRef idx="1">
+            <a:schemeClr val="accent1"/>
+          </a:lnRef>
+          <a:fillRef idx="0">
+            <a:schemeClr val="accent1"/>
+          </a:fillRef>
+          <a:effectRef idx="0">
+            <a:schemeClr val="accent1"/>
+          </a:effectRef>
+          <a:fontRef idx="minor">
+            <a:schemeClr val="tx1"/>
+          </a:fontRef>
+        </p:style>
+      </p:cxnSp>
+      <p:sp>
+        <p:nvSpPr>
+          <p:cNvPr id="95" name="CuadroTexto 94"/>
+          <p:cNvSpPr txBox="1"/>
+          <p:nvPr/>
+        </p:nvSpPr>
+        <p:spPr>
+          <a:xfrm>
+            <a:off x="1633102" y="1846178"/>
+            <a:ext cx="364202" cy="276999"/>
+          </a:xfrm>
+          <a:prstGeom prst="rect">
+            <a:avLst/>
+          </a:prstGeom>
+          <a:noFill/>
+        </p:spPr>
+        <p:txBody>
+          <a:bodyPr wrap="none" rtlCol="0">
+            <a:spAutoFit/>
+          </a:bodyPr>
+          <a:lstStyle/>
+          <a:p>
+            <a:r>
+              <a:rPr lang="en-US" sz="1200" dirty="0" smtClean="0">
+                <a:latin typeface="Times New Roman" panose="02020603050405020304" pitchFamily="18" charset="0"/>
+                <a:cs typeface="Times New Roman" panose="02020603050405020304" pitchFamily="18" charset="0"/>
+              </a:rPr>
+              <a:t>(1)</a:t>
+            </a:r>
+            <a:endParaRPr lang="en-US" sz="1200" dirty="0">
+              <a:latin typeface="Times New Roman" panose="02020603050405020304" pitchFamily="18" charset="0"/>
+              <a:cs typeface="Times New Roman" panose="02020603050405020304" pitchFamily="18" charset="0"/>
+            </a:endParaRPr>
+          </a:p>
+        </p:txBody>
+      </p:sp>
+      <p:sp>
+        <p:nvSpPr>
+          <p:cNvPr id="96" name="CuadroTexto 95"/>
+          <p:cNvSpPr txBox="1"/>
+          <p:nvPr/>
+        </p:nvSpPr>
+        <p:spPr>
+          <a:xfrm>
+            <a:off x="2068372" y="1609519"/>
+            <a:ext cx="364202" cy="276999"/>
+          </a:xfrm>
+          <a:prstGeom prst="rect">
+            <a:avLst/>
+          </a:prstGeom>
+          <a:noFill/>
+        </p:spPr>
+        <p:txBody>
+          <a:bodyPr wrap="none" rtlCol="0">
+            <a:spAutoFit/>
+          </a:bodyPr>
+          <a:lstStyle/>
+          <a:p>
+            <a:r>
+              <a:rPr lang="en-US" sz="1200" dirty="0" smtClean="0">
+                <a:latin typeface="Times New Roman" panose="02020603050405020304" pitchFamily="18" charset="0"/>
+                <a:cs typeface="Times New Roman" panose="02020603050405020304" pitchFamily="18" charset="0"/>
+              </a:rPr>
+              <a:t>(2)</a:t>
+            </a:r>
+            <a:endParaRPr lang="en-US" sz="1200" dirty="0">
+              <a:latin typeface="Times New Roman" panose="02020603050405020304" pitchFamily="18" charset="0"/>
+              <a:cs typeface="Times New Roman" panose="02020603050405020304" pitchFamily="18" charset="0"/>
+            </a:endParaRPr>
+          </a:p>
+        </p:txBody>
+      </p:sp>
+      <p:sp>
+        <p:nvSpPr>
+          <p:cNvPr id="97" name="CuadroTexto 96"/>
+          <p:cNvSpPr txBox="1"/>
+          <p:nvPr/>
+        </p:nvSpPr>
+        <p:spPr>
+          <a:xfrm>
+            <a:off x="2962988" y="1748018"/>
+            <a:ext cx="364202" cy="276999"/>
+          </a:xfrm>
+          <a:prstGeom prst="rect">
+            <a:avLst/>
+          </a:prstGeom>
+          <a:noFill/>
+        </p:spPr>
+        <p:txBody>
+          <a:bodyPr wrap="none" rtlCol="0">
+            <a:spAutoFit/>
+          </a:bodyPr>
+          <a:lstStyle/>
+          <a:p>
+            <a:r>
+              <a:rPr lang="en-US" sz="1200" dirty="0" smtClean="0">
+                <a:latin typeface="Times New Roman" panose="02020603050405020304" pitchFamily="18" charset="0"/>
+                <a:cs typeface="Times New Roman" panose="02020603050405020304" pitchFamily="18" charset="0"/>
+              </a:rPr>
+              <a:t>(3)</a:t>
+            </a:r>
+            <a:endParaRPr lang="en-US" sz="1200" dirty="0">
+              <a:latin typeface="Times New Roman" panose="02020603050405020304" pitchFamily="18" charset="0"/>
+              <a:cs typeface="Times New Roman" panose="02020603050405020304" pitchFamily="18" charset="0"/>
+            </a:endParaRPr>
+          </a:p>
+        </p:txBody>
+      </p:sp>
+      <p:sp>
+        <p:nvSpPr>
+          <p:cNvPr id="98" name="CuadroTexto 97"/>
+          <p:cNvSpPr txBox="1"/>
+          <p:nvPr/>
+        </p:nvSpPr>
+        <p:spPr>
+          <a:xfrm>
+            <a:off x="3327136" y="1609519"/>
+            <a:ext cx="364202" cy="276999"/>
+          </a:xfrm>
+          <a:prstGeom prst="rect">
+            <a:avLst/>
+          </a:prstGeom>
+          <a:noFill/>
+        </p:spPr>
+        <p:txBody>
+          <a:bodyPr wrap="none" rtlCol="0">
+            <a:spAutoFit/>
+          </a:bodyPr>
+          <a:lstStyle/>
+          <a:p>
+            <a:r>
+              <a:rPr lang="en-US" sz="1200" dirty="0" smtClean="0">
+                <a:latin typeface="Times New Roman" panose="02020603050405020304" pitchFamily="18" charset="0"/>
+                <a:cs typeface="Times New Roman" panose="02020603050405020304" pitchFamily="18" charset="0"/>
+              </a:rPr>
+              <a:t>(4)</a:t>
+            </a:r>
+            <a:endParaRPr lang="en-US" sz="1200" dirty="0">
+              <a:latin typeface="Times New Roman" panose="02020603050405020304" pitchFamily="18" charset="0"/>
+              <a:cs typeface="Times New Roman" panose="02020603050405020304" pitchFamily="18" charset="0"/>
+            </a:endParaRPr>
+          </a:p>
+        </p:txBody>
+      </p:sp>
+      <p:sp>
+        <p:nvSpPr>
+          <p:cNvPr id="99" name="CuadroTexto 98"/>
+          <p:cNvSpPr txBox="1"/>
+          <p:nvPr/>
+        </p:nvSpPr>
+        <p:spPr>
+          <a:xfrm>
+            <a:off x="4478433" y="1679369"/>
+            <a:ext cx="364202" cy="276999"/>
+          </a:xfrm>
+          <a:prstGeom prst="rect">
+            <a:avLst/>
+          </a:prstGeom>
+          <a:noFill/>
+        </p:spPr>
+        <p:txBody>
+          <a:bodyPr wrap="none" rtlCol="0">
+            <a:spAutoFit/>
+          </a:bodyPr>
+          <a:lstStyle/>
+          <a:p>
+            <a:r>
+              <a:rPr lang="en-US" sz="1200" dirty="0" smtClean="0">
+                <a:latin typeface="Times New Roman" panose="02020603050405020304" pitchFamily="18" charset="0"/>
+                <a:cs typeface="Times New Roman" panose="02020603050405020304" pitchFamily="18" charset="0"/>
+              </a:rPr>
+              <a:t>(5)</a:t>
+            </a:r>
+            <a:endParaRPr lang="en-US" sz="1200" dirty="0">
+              <a:latin typeface="Times New Roman" panose="02020603050405020304" pitchFamily="18" charset="0"/>
+              <a:cs typeface="Times New Roman" panose="02020603050405020304" pitchFamily="18" charset="0"/>
+            </a:endParaRPr>
+          </a:p>
+        </p:txBody>
+      </p:sp>
+      <p:sp>
+        <p:nvSpPr>
+          <p:cNvPr id="100" name="CuadroTexto 99"/>
+          <p:cNvSpPr txBox="1"/>
+          <p:nvPr/>
+        </p:nvSpPr>
+        <p:spPr>
+          <a:xfrm>
+            <a:off x="5042473" y="1696746"/>
+            <a:ext cx="364202" cy="276999"/>
+          </a:xfrm>
+          <a:prstGeom prst="rect">
+            <a:avLst/>
+          </a:prstGeom>
+          <a:noFill/>
+        </p:spPr>
+        <p:txBody>
+          <a:bodyPr wrap="none" rtlCol="0">
+            <a:spAutoFit/>
+          </a:bodyPr>
+          <a:lstStyle/>
+          <a:p>
+            <a:r>
+              <a:rPr lang="en-US" sz="1200" dirty="0" smtClean="0">
+                <a:latin typeface="Times New Roman" panose="02020603050405020304" pitchFamily="18" charset="0"/>
+                <a:cs typeface="Times New Roman" panose="02020603050405020304" pitchFamily="18" charset="0"/>
+              </a:rPr>
+              <a:t>(6)</a:t>
+            </a:r>
+            <a:endParaRPr lang="en-US" sz="1200" dirty="0">
+              <a:latin typeface="Times New Roman" panose="02020603050405020304" pitchFamily="18" charset="0"/>
+              <a:cs typeface="Times New Roman" panose="02020603050405020304" pitchFamily="18" charset="0"/>
+            </a:endParaRPr>
+          </a:p>
+        </p:txBody>
+      </p:sp>
+      <p:sp>
+        <p:nvSpPr>
+          <p:cNvPr id="101" name="CuadroTexto 100"/>
+          <p:cNvSpPr txBox="1"/>
+          <p:nvPr/>
+        </p:nvSpPr>
+        <p:spPr>
+          <a:xfrm>
+            <a:off x="5963932" y="1554870"/>
+            <a:ext cx="364202" cy="276999"/>
+          </a:xfrm>
+          <a:prstGeom prst="rect">
+            <a:avLst/>
+          </a:prstGeom>
+          <a:noFill/>
+        </p:spPr>
+        <p:txBody>
+          <a:bodyPr wrap="none" rtlCol="0">
+            <a:spAutoFit/>
+          </a:bodyPr>
+          <a:lstStyle/>
+          <a:p>
+            <a:r>
+              <a:rPr lang="en-US" sz="1200" dirty="0" smtClean="0">
+                <a:latin typeface="Times New Roman" panose="02020603050405020304" pitchFamily="18" charset="0"/>
+                <a:cs typeface="Times New Roman" panose="02020603050405020304" pitchFamily="18" charset="0"/>
+              </a:rPr>
+              <a:t>(7)</a:t>
+            </a:r>
+            <a:endParaRPr lang="en-US" sz="1200" dirty="0">
+              <a:latin typeface="Times New Roman" panose="02020603050405020304" pitchFamily="18" charset="0"/>
+              <a:cs typeface="Times New Roman" panose="02020603050405020304" pitchFamily="18" charset="0"/>
+            </a:endParaRPr>
+          </a:p>
+        </p:txBody>
+      </p:sp>
+      <p:sp>
+        <p:nvSpPr>
+          <p:cNvPr id="102" name="CuadroTexto 101"/>
+          <p:cNvSpPr txBox="1"/>
+          <p:nvPr/>
+        </p:nvSpPr>
+        <p:spPr>
+          <a:xfrm>
+            <a:off x="6479158" y="1784801"/>
+            <a:ext cx="364202" cy="276999"/>
+          </a:xfrm>
+          <a:prstGeom prst="rect">
+            <a:avLst/>
+          </a:prstGeom>
+          <a:noFill/>
+        </p:spPr>
+        <p:txBody>
+          <a:bodyPr wrap="none" rtlCol="0">
+            <a:spAutoFit/>
+          </a:bodyPr>
+          <a:lstStyle/>
+          <a:p>
+            <a:r>
+              <a:rPr lang="en-US" sz="1200" dirty="0" smtClean="0">
+                <a:latin typeface="Times New Roman" panose="02020603050405020304" pitchFamily="18" charset="0"/>
+                <a:cs typeface="Times New Roman" panose="02020603050405020304" pitchFamily="18" charset="0"/>
+              </a:rPr>
+              <a:t>(8)</a:t>
+            </a:r>
+            <a:endParaRPr lang="en-US" sz="1200" dirty="0">
+              <a:latin typeface="Times New Roman" panose="02020603050405020304" pitchFamily="18" charset="0"/>
+              <a:cs typeface="Times New Roman" panose="02020603050405020304" pitchFamily="18" charset="0"/>
+            </a:endParaRPr>
+          </a:p>
+        </p:txBody>
+      </p:sp>
+      <p:sp>
+        <p:nvSpPr>
+          <p:cNvPr id="103" name="CuadroTexto 102"/>
+          <p:cNvSpPr txBox="1"/>
+          <p:nvPr/>
+        </p:nvSpPr>
+        <p:spPr>
+          <a:xfrm>
+            <a:off x="2432574" y="3496260"/>
+            <a:ext cx="364202" cy="276999"/>
+          </a:xfrm>
+          <a:prstGeom prst="rect">
+            <a:avLst/>
+          </a:prstGeom>
+          <a:noFill/>
+        </p:spPr>
+        <p:txBody>
+          <a:bodyPr wrap="none" rtlCol="0">
+            <a:spAutoFit/>
+          </a:bodyPr>
+          <a:lstStyle/>
+          <a:p>
+            <a:r>
+              <a:rPr lang="en-US" sz="1200" dirty="0" smtClean="0">
+                <a:latin typeface="Times New Roman" panose="02020603050405020304" pitchFamily="18" charset="0"/>
+                <a:cs typeface="Times New Roman" panose="02020603050405020304" pitchFamily="18" charset="0"/>
+              </a:rPr>
+              <a:t>(9)</a:t>
+            </a:r>
+            <a:endParaRPr lang="en-US" sz="1200" dirty="0">
+              <a:latin typeface="Times New Roman" panose="02020603050405020304" pitchFamily="18" charset="0"/>
+              <a:cs typeface="Times New Roman" panose="02020603050405020304" pitchFamily="18" charset="0"/>
+            </a:endParaRPr>
+          </a:p>
+        </p:txBody>
+      </p:sp>
+      <p:sp>
+        <p:nvSpPr>
+          <p:cNvPr id="104" name="CuadroTexto 103"/>
+          <p:cNvSpPr txBox="1"/>
+          <p:nvPr/>
+        </p:nvSpPr>
+        <p:spPr>
+          <a:xfrm>
+            <a:off x="2918702" y="3490876"/>
+            <a:ext cx="441146" cy="276999"/>
+          </a:xfrm>
+          <a:prstGeom prst="rect">
+            <a:avLst/>
+          </a:prstGeom>
+          <a:noFill/>
+        </p:spPr>
+        <p:txBody>
+          <a:bodyPr wrap="none" rtlCol="0">
+            <a:spAutoFit/>
+          </a:bodyPr>
+          <a:lstStyle/>
+          <a:p>
+            <a:r>
+              <a:rPr lang="en-US" sz="1200" dirty="0" smtClean="0">
+                <a:latin typeface="Times New Roman" panose="02020603050405020304" pitchFamily="18" charset="0"/>
+                <a:cs typeface="Times New Roman" panose="02020603050405020304" pitchFamily="18" charset="0"/>
+              </a:rPr>
+              <a:t>(10)</a:t>
+            </a:r>
+            <a:endParaRPr lang="en-US" sz="1200" dirty="0">
+              <a:latin typeface="Times New Roman" panose="02020603050405020304" pitchFamily="18" charset="0"/>
+              <a:cs typeface="Times New Roman" panose="02020603050405020304" pitchFamily="18" charset="0"/>
+            </a:endParaRPr>
+          </a:p>
+        </p:txBody>
+      </p:sp>
+      <p:sp>
+        <p:nvSpPr>
+          <p:cNvPr id="105" name="CuadroTexto 104"/>
+          <p:cNvSpPr txBox="1"/>
+          <p:nvPr/>
+        </p:nvSpPr>
+        <p:spPr>
+          <a:xfrm>
+            <a:off x="4709794" y="3700426"/>
+            <a:ext cx="435440" cy="276999"/>
+          </a:xfrm>
+          <a:prstGeom prst="rect">
+            <a:avLst/>
+          </a:prstGeom>
+          <a:noFill/>
+        </p:spPr>
+        <p:txBody>
+          <a:bodyPr wrap="none" rtlCol="0">
+            <a:spAutoFit/>
+          </a:bodyPr>
+          <a:lstStyle/>
+          <a:p>
+            <a:r>
+              <a:rPr lang="en-US" sz="1200" dirty="0" smtClean="0">
+                <a:latin typeface="Times New Roman" panose="02020603050405020304" pitchFamily="18" charset="0"/>
+                <a:cs typeface="Times New Roman" panose="02020603050405020304" pitchFamily="18" charset="0"/>
+              </a:rPr>
+              <a:t>(11)</a:t>
+            </a:r>
+            <a:endParaRPr lang="en-US" sz="1200" dirty="0">
+              <a:latin typeface="Times New Roman" panose="02020603050405020304" pitchFamily="18" charset="0"/>
+              <a:cs typeface="Times New Roman" panose="02020603050405020304" pitchFamily="18" charset="0"/>
+            </a:endParaRPr>
+          </a:p>
+        </p:txBody>
+      </p:sp>
+      <p:sp>
+        <p:nvSpPr>
+          <p:cNvPr id="106" name="CuadroTexto 105"/>
+          <p:cNvSpPr txBox="1"/>
+          <p:nvPr/>
+        </p:nvSpPr>
+        <p:spPr>
+          <a:xfrm>
+            <a:off x="5146119" y="3535141"/>
+            <a:ext cx="441146" cy="276999"/>
+          </a:xfrm>
+          <a:prstGeom prst="rect">
+            <a:avLst/>
+          </a:prstGeom>
+          <a:noFill/>
+        </p:spPr>
+        <p:txBody>
+          <a:bodyPr wrap="none" rtlCol="0">
+            <a:spAutoFit/>
+          </a:bodyPr>
+          <a:lstStyle/>
+          <a:p>
+            <a:r>
+              <a:rPr lang="en-US" sz="1200" dirty="0" smtClean="0">
+                <a:latin typeface="Times New Roman" panose="02020603050405020304" pitchFamily="18" charset="0"/>
+                <a:cs typeface="Times New Roman" panose="02020603050405020304" pitchFamily="18" charset="0"/>
+              </a:rPr>
+              <a:t>(12)</a:t>
+            </a:r>
+            <a:endParaRPr lang="en-US" sz="1200" dirty="0">
+              <a:latin typeface="Times New Roman" panose="02020603050405020304" pitchFamily="18" charset="0"/>
+              <a:cs typeface="Times New Roman" panose="02020603050405020304" pitchFamily="18" charset="0"/>
+            </a:endParaRPr>
+          </a:p>
+        </p:txBody>
+      </p:sp>
+      <p:sp>
+        <p:nvSpPr>
           <p:cNvPr id="107" name="CuadroTexto 106"/>
           <p:cNvSpPr txBox="1"/>
           <p:nvPr/>
@@ -4844,10 +8148,49 @@
           </a:p>
         </p:txBody>
       </p:sp>
+      <p:sp>
+        <p:nvSpPr>
+          <p:cNvPr id="45" name="Rectángulo 44"/>
+          <p:cNvSpPr/>
+          <p:nvPr/>
+        </p:nvSpPr>
+        <p:spPr>
+          <a:xfrm>
+            <a:off x="1437430" y="87737"/>
+            <a:ext cx="9628999" cy="276999"/>
+          </a:xfrm>
+          <a:prstGeom prst="rect">
+            <a:avLst/>
+          </a:prstGeom>
+        </p:spPr>
+        <p:txBody>
+          <a:bodyPr wrap="square">
+            <a:spAutoFit/>
+          </a:bodyPr>
+          <a:lstStyle/>
+          <a:p>
+            <a:pPr algn="ctr"/>
+            <a:r>
+              <a:rPr lang="en-US" sz="1200" dirty="0" smtClean="0">
+                <a:solidFill>
+                  <a:srgbClr val="333132"/>
+                </a:solidFill>
+                <a:latin typeface="Times New Roman" panose="02020603050405020304" pitchFamily="18" charset="0"/>
+                <a:cs typeface="Times New Roman" panose="02020603050405020304" pitchFamily="18" charset="0"/>
+              </a:rPr>
+              <a:t>Outdated – June 2024</a:t>
+            </a:r>
+            <a:endParaRPr lang="en-US" sz="1200" dirty="0">
+              <a:latin typeface="Times New Roman" panose="02020603050405020304" pitchFamily="18" charset="0"/>
+              <a:cs typeface="Times New Roman" panose="02020603050405020304" pitchFamily="18" charset="0"/>
+            </a:endParaRPr>
+          </a:p>
+        </p:txBody>
+      </p:sp>
     </p:spTree>
     <p:extLst>
       <p:ext uri="{BB962C8B-B14F-4D97-AF65-F5344CB8AC3E}">
-        <p14:creationId xmlns:p14="http://schemas.microsoft.com/office/powerpoint/2010/main" val="2228452269"/>
+        <p14:creationId xmlns:p14="http://schemas.microsoft.com/office/powerpoint/2010/main" val="214785526"/>
       </p:ext>
     </p:extLst>
   </p:cSld>
